--- a/engineer_courses/s5_outils_numeriques/b0_demistifier_python/B0_1_Demystifier_Python.pptx
+++ b/engineer_courses/s5_outils_numeriques/b0_demistifier_python/B0_1_Demystifier_Python.pptx
@@ -7,6 +7,7 @@
   <p:sldIdLst>
     <p:sldId id="256" r:id="rId2"/>
     <p:sldId id="257" r:id="rId3"/>
+    <p:sldId id="258" r:id="rId4"/>
   </p:sldIdLst>
   <p:sldSz cx="12192000" cy="6858000"/>
   <p:notesSz cx="6858000" cy="9144000"/>
@@ -269,7 +270,7 @@
           <a:p>
             <a:fld id="{02AC24A9-CCB6-4F8D-B8DB-C2F3692CFA5A}" type="datetimeFigureOut">
               <a:rPr lang="en-US" smtClean="0"/>
-              <a:t>4/8/2023</a:t>
+              <a:t>4/9/2023</a:t>
             </a:fld>
             <a:endParaRPr lang="en-US" dirty="0"/>
           </a:p>
@@ -639,7 +640,7 @@
           <a:p>
             <a:fld id="{02AC24A9-CCB6-4F8D-B8DB-C2F3692CFA5A}" type="datetimeFigureOut">
               <a:rPr lang="en-US" smtClean="0"/>
-              <a:t>4/8/2023</a:t>
+              <a:t>4/9/2023</a:t>
             </a:fld>
             <a:endParaRPr lang="en-US"/>
           </a:p>
@@ -848,7 +849,7 @@
           <a:p>
             <a:fld id="{02AC24A9-CCB6-4F8D-B8DB-C2F3692CFA5A}" type="datetimeFigureOut">
               <a:rPr lang="en-US" smtClean="0"/>
-              <a:t>4/8/2023</a:t>
+              <a:t>4/9/2023</a:t>
             </a:fld>
             <a:endParaRPr lang="en-US"/>
           </a:p>
@@ -1318,7 +1319,7 @@
           <a:p>
             <a:fld id="{02AC24A9-CCB6-4F8D-B8DB-C2F3692CFA5A}" type="datetimeFigureOut">
               <a:rPr lang="en-US" smtClean="0"/>
-              <a:t>4/8/2023</a:t>
+              <a:t>4/9/2023</a:t>
             </a:fld>
             <a:endParaRPr lang="en-US"/>
           </a:p>
@@ -1772,7 +1773,7 @@
           <a:p>
             <a:fld id="{02AC24A9-CCB6-4F8D-B8DB-C2F3692CFA5A}" type="datetimeFigureOut">
               <a:rPr lang="en-US" smtClean="0"/>
-              <a:t>4/8/2023</a:t>
+              <a:t>4/9/2023</a:t>
             </a:fld>
             <a:endParaRPr lang="en-US"/>
           </a:p>
@@ -2304,7 +2305,7 @@
           <a:p>
             <a:fld id="{02AC24A9-CCB6-4F8D-B8DB-C2F3692CFA5A}" type="datetimeFigureOut">
               <a:rPr lang="en-US" smtClean="0"/>
-              <a:t>4/8/2023</a:t>
+              <a:t>4/9/2023</a:t>
             </a:fld>
             <a:endParaRPr lang="en-US"/>
           </a:p>
@@ -3003,7 +3004,7 @@
           <a:p>
             <a:fld id="{02AC24A9-CCB6-4F8D-B8DB-C2F3692CFA5A}" type="datetimeFigureOut">
               <a:rPr lang="en-US" smtClean="0"/>
-              <a:t>4/8/2023</a:t>
+              <a:t>4/9/2023</a:t>
             </a:fld>
             <a:endParaRPr lang="en-US"/>
           </a:p>
@@ -3332,7 +3333,7 @@
           <a:p>
             <a:fld id="{02AC24A9-CCB6-4F8D-B8DB-C2F3692CFA5A}" type="datetimeFigureOut">
               <a:rPr lang="en-US" smtClean="0"/>
-              <a:t>4/8/2023</a:t>
+              <a:t>4/9/2023</a:t>
             </a:fld>
             <a:endParaRPr lang="en-US"/>
           </a:p>
@@ -3445,7 +3446,7 @@
           <a:p>
             <a:fld id="{02AC24A9-CCB6-4F8D-B8DB-C2F3692CFA5A}" type="datetimeFigureOut">
               <a:rPr lang="en-US" smtClean="0"/>
-              <a:t>4/8/2023</a:t>
+              <a:t>4/9/2023</a:t>
             </a:fld>
             <a:endParaRPr lang="en-US"/>
           </a:p>
@@ -3940,7 +3941,7 @@
           <a:p>
             <a:fld id="{02AC24A9-CCB6-4F8D-B8DB-C2F3692CFA5A}" type="datetimeFigureOut">
               <a:rPr lang="en-US" smtClean="0"/>
-              <a:t>4/8/2023</a:t>
+              <a:t>4/9/2023</a:t>
             </a:fld>
             <a:endParaRPr lang="en-US" dirty="0"/>
           </a:p>
@@ -4417,7 +4418,7 @@
           <a:p>
             <a:fld id="{02AC24A9-CCB6-4F8D-B8DB-C2F3692CFA5A}" type="datetimeFigureOut">
               <a:rPr lang="en-US" smtClean="0"/>
-              <a:t>4/8/2023</a:t>
+              <a:t>4/9/2023</a:t>
             </a:fld>
             <a:endParaRPr lang="en-US"/>
           </a:p>
@@ -4660,7 +4661,7 @@
           <a:p>
             <a:fld id="{02AC24A9-CCB6-4F8D-B8DB-C2F3692CFA5A}" type="datetimeFigureOut">
               <a:rPr lang="en-US" smtClean="0"/>
-              <a:t>4/8/2023</a:t>
+              <a:t>4/9/2023</a:t>
             </a:fld>
             <a:endParaRPr lang="en-US"/>
           </a:p>
@@ -5320,7 +5321,7 @@
           <a:p>
             <a:r>
               <a:rPr lang="fr-FR" sz="2000"/>
-              <a:t>Outils Numériques / Semestre 5 / Institut d’Optique</a:t>
+              <a:t>Outils Numériques / Semestre 5 / Institut d’Optique / B0_1</a:t>
             </a:r>
           </a:p>
         </p:txBody>
@@ -5722,6 +5723,153 @@
     <p:extLst>
       <p:ext uri="{BB962C8B-B14F-4D97-AF65-F5344CB8AC3E}">
         <p14:creationId xmlns:p14="http://schemas.microsoft.com/office/powerpoint/2010/main" val="3231121590"/>
+      </p:ext>
+    </p:extLst>
+  </p:cSld>
+  <p:clrMapOvr>
+    <a:masterClrMapping/>
+  </p:clrMapOvr>
+</p:sld>
+</file>
+
+<file path=ppt/slides/slide3.xml><?xml version="1.0" encoding="utf-8"?>
+<p:sld xmlns:a="http://schemas.openxmlformats.org/drawingml/2006/main" xmlns:r="http://schemas.openxmlformats.org/officeDocument/2006/relationships" xmlns:p="http://schemas.openxmlformats.org/presentationml/2006/main">
+  <p:cSld>
+    <p:spTree>
+      <p:nvGrpSpPr>
+        <p:cNvPr id="1" name=""/>
+        <p:cNvGrpSpPr/>
+        <p:nvPr/>
+      </p:nvGrpSpPr>
+      <p:grpSpPr>
+        <a:xfrm>
+          <a:off x="0" y="0"/>
+          <a:ext cx="0" cy="0"/>
+          <a:chOff x="0" y="0"/>
+          <a:chExt cx="0" cy="0"/>
+        </a:xfrm>
+      </p:grpSpPr>
+      <p:sp>
+        <p:nvSpPr>
+          <p:cNvPr id="2" name="Titre 1">
+            <a:extLst>
+              <a:ext uri="{FF2B5EF4-FFF2-40B4-BE49-F238E27FC236}">
+                <a16:creationId xmlns:a16="http://schemas.microsoft.com/office/drawing/2014/main" id="{90162AE8-C1B0-5C56-8313-DEE494F38273}"/>
+              </a:ext>
+            </a:extLst>
+          </p:cNvPr>
+          <p:cNvSpPr>
+            <a:spLocks noGrp="1"/>
+          </p:cNvSpPr>
+          <p:nvPr>
+            <p:ph type="title"/>
+          </p:nvPr>
+        </p:nvSpPr>
+        <p:spPr/>
+        <p:txBody>
+          <a:bodyPr/>
+          <a:lstStyle/>
+          <a:p>
+            <a:r>
+              <a:rPr lang="fr-FR" dirty="0"/>
+              <a:t>Listes, vecteurs… c’est pareil, non ?</a:t>
+            </a:r>
+          </a:p>
+        </p:txBody>
+      </p:sp>
+      <p:sp>
+        <p:nvSpPr>
+          <p:cNvPr id="3" name="Espace réservé du contenu 2">
+            <a:extLst>
+              <a:ext uri="{FF2B5EF4-FFF2-40B4-BE49-F238E27FC236}">
+                <a16:creationId xmlns:a16="http://schemas.microsoft.com/office/drawing/2014/main" id="{E0BBB9DE-019C-C741-F224-494739D4B752}"/>
+              </a:ext>
+            </a:extLst>
+          </p:cNvPr>
+          <p:cNvSpPr>
+            <a:spLocks noGrp="1"/>
+          </p:cNvSpPr>
+          <p:nvPr>
+            <p:ph sz="half" idx="1"/>
+          </p:nvPr>
+        </p:nvSpPr>
+        <p:spPr/>
+        <p:txBody>
+          <a:bodyPr/>
+          <a:lstStyle/>
+          <a:p>
+            <a:r>
+              <a:rPr lang="fr-FR" dirty="0"/>
+              <a:t>TO DO</a:t>
+            </a:r>
+          </a:p>
+        </p:txBody>
+      </p:sp>
+      <p:sp>
+        <p:nvSpPr>
+          <p:cNvPr id="4" name="Espace réservé du contenu 3">
+            <a:extLst>
+              <a:ext uri="{FF2B5EF4-FFF2-40B4-BE49-F238E27FC236}">
+                <a16:creationId xmlns:a16="http://schemas.microsoft.com/office/drawing/2014/main" id="{933F96BD-2653-AD25-8139-9FF3B2C19755}"/>
+              </a:ext>
+            </a:extLst>
+          </p:cNvPr>
+          <p:cNvSpPr>
+            <a:spLocks noGrp="1"/>
+          </p:cNvSpPr>
+          <p:nvPr>
+            <p:ph sz="half" idx="2"/>
+          </p:nvPr>
+        </p:nvSpPr>
+        <p:spPr/>
+        <p:txBody>
+          <a:bodyPr/>
+          <a:lstStyle/>
+          <a:p>
+            <a:endParaRPr lang="fr-FR" dirty="0"/>
+          </a:p>
+        </p:txBody>
+      </p:sp>
+      <p:pic>
+        <p:nvPicPr>
+          <p:cNvPr id="5" name="Image 4" descr="Une image contenant texte&#10;&#10;Description générée automatiquement">
+            <a:extLst>
+              <a:ext uri="{FF2B5EF4-FFF2-40B4-BE49-F238E27FC236}">
+                <a16:creationId xmlns:a16="http://schemas.microsoft.com/office/drawing/2014/main" id="{66D2630B-81F4-A4EB-21BA-8B90CF30BD92}"/>
+              </a:ext>
+            </a:extLst>
+          </p:cNvPr>
+          <p:cNvPicPr>
+            <a:picLocks noChangeAspect="1"/>
+          </p:cNvPicPr>
+          <p:nvPr/>
+        </p:nvPicPr>
+        <p:blipFill>
+          <a:blip r:embed="rId2">
+            <a:extLst>
+              <a:ext uri="{28A0092B-C50C-407E-A947-70E740481C1C}">
+                <a14:useLocalDpi xmlns:a14="http://schemas.microsoft.com/office/drawing/2010/main" val="0"/>
+              </a:ext>
+            </a:extLst>
+          </a:blip>
+          <a:stretch>
+            <a:fillRect/>
+          </a:stretch>
+        </p:blipFill>
+        <p:spPr>
+          <a:xfrm>
+            <a:off x="202922" y="5934456"/>
+            <a:ext cx="1825291" cy="749808"/>
+          </a:xfrm>
+          <a:prstGeom prst="rect">
+            <a:avLst/>
+          </a:prstGeom>
+        </p:spPr>
+      </p:pic>
+    </p:spTree>
+    <p:extLst>
+      <p:ext uri="{BB962C8B-B14F-4D97-AF65-F5344CB8AC3E}">
+        <p14:creationId xmlns:p14="http://schemas.microsoft.com/office/powerpoint/2010/main" val="2798061923"/>
       </p:ext>
     </p:extLst>
   </p:cSld>

--- a/engineer_courses/s5_outils_numeriques/b0_demistifier_python/B0_1_Demystifier_Python.pptx
+++ b/engineer_courses/s5_outils_numeriques/b0_demistifier_python/B0_1_Demystifier_Python.pptx
@@ -7,7 +7,11 @@
   <p:sldIdLst>
     <p:sldId id="256" r:id="rId2"/>
     <p:sldId id="257" r:id="rId3"/>
-    <p:sldId id="258" r:id="rId4"/>
+    <p:sldId id="260" r:id="rId4"/>
+    <p:sldId id="259" r:id="rId5"/>
+    <p:sldId id="258" r:id="rId6"/>
+    <p:sldId id="261" r:id="rId7"/>
+    <p:sldId id="262" r:id="rId8"/>
   </p:sldIdLst>
   <p:sldSz cx="12192000" cy="6858000"/>
   <p:notesSz cx="6858000" cy="9144000"/>
@@ -5600,86 +5604,8 @@
           <a:p>
             <a:r>
               <a:rPr lang="fr-FR" dirty="0"/>
-              <a:t>Doit-on faire confiance aux ordinateurs ?</a:t>
-            </a:r>
-          </a:p>
-        </p:txBody>
-      </p:sp>
-      <p:sp>
-        <p:nvSpPr>
-          <p:cNvPr id="3" name="Espace réservé du contenu 2">
-            <a:extLst>
-              <a:ext uri="{FF2B5EF4-FFF2-40B4-BE49-F238E27FC236}">
-                <a16:creationId xmlns:a16="http://schemas.microsoft.com/office/drawing/2014/main" id="{E0BBB9DE-019C-C741-F224-494739D4B752}"/>
-              </a:ext>
-            </a:extLst>
-          </p:cNvPr>
-          <p:cNvSpPr>
-            <a:spLocks noGrp="1"/>
-          </p:cNvSpPr>
-          <p:nvPr>
-            <p:ph sz="half" idx="1"/>
-          </p:nvPr>
-        </p:nvSpPr>
-        <p:spPr/>
-        <p:txBody>
-          <a:bodyPr/>
-          <a:lstStyle/>
-          <a:p>
-            <a:r>
-              <a:rPr lang="fr-FR" dirty="0"/>
-              <a:t>Testez les deux calculs suivants sous Python</a:t>
-            </a:r>
-          </a:p>
-          <a:p>
-            <a:endParaRPr lang="fr-FR" dirty="0"/>
-          </a:p>
-          <a:p>
-            <a:pPr marL="0" indent="0">
-              <a:buNone/>
-            </a:pPr>
-            <a:r>
-              <a:rPr lang="fr-FR"/>
-              <a:t>&gt; 3 </a:t>
-            </a:r>
-            <a:r>
-              <a:rPr lang="fr-FR" dirty="0"/>
-              <a:t>– 2 – 1</a:t>
-            </a:r>
-          </a:p>
-          <a:p>
-            <a:pPr marL="0" indent="0">
-              <a:buNone/>
-            </a:pPr>
-            <a:r>
-              <a:rPr lang="fr-FR" dirty="0"/>
-              <a:t>&gt; 0.3 – 0.2 – 0.1</a:t>
-            </a:r>
-          </a:p>
-        </p:txBody>
-      </p:sp>
-      <p:sp>
-        <p:nvSpPr>
-          <p:cNvPr id="4" name="Espace réservé du contenu 3">
-            <a:extLst>
-              <a:ext uri="{FF2B5EF4-FFF2-40B4-BE49-F238E27FC236}">
-                <a16:creationId xmlns:a16="http://schemas.microsoft.com/office/drawing/2014/main" id="{933F96BD-2653-AD25-8139-9FF3B2C19755}"/>
-              </a:ext>
-            </a:extLst>
-          </p:cNvPr>
-          <p:cNvSpPr>
-            <a:spLocks noGrp="1"/>
-          </p:cNvSpPr>
-          <p:nvPr>
-            <p:ph sz="half" idx="2"/>
-          </p:nvPr>
-        </p:nvSpPr>
-        <p:spPr/>
-        <p:txBody>
-          <a:bodyPr/>
-          <a:lstStyle/>
-          <a:p>
-            <a:endParaRPr lang="fr-FR" dirty="0"/>
+              <a:t>Distributions / Environnements</a:t>
+            </a:r>
           </a:p>
         </p:txBody>
       </p:sp>
@@ -5717,6 +5643,744 @@
           <a:prstGeom prst="rect">
             <a:avLst/>
           </a:prstGeom>
+        </p:spPr>
+      </p:pic>
+      <p:pic>
+        <p:nvPicPr>
+          <p:cNvPr id="7" name="Image 6">
+            <a:extLst>
+              <a:ext uri="{FF2B5EF4-FFF2-40B4-BE49-F238E27FC236}">
+                <a16:creationId xmlns:a16="http://schemas.microsoft.com/office/drawing/2014/main" id="{5BB01D49-602A-9314-FD1F-4EC628128217}"/>
+              </a:ext>
+            </a:extLst>
+          </p:cNvPr>
+          <p:cNvPicPr>
+            <a:picLocks noChangeAspect="1"/>
+          </p:cNvPicPr>
+          <p:nvPr/>
+        </p:nvPicPr>
+        <p:blipFill>
+          <a:blip r:embed="rId3"/>
+          <a:stretch>
+            <a:fillRect/>
+          </a:stretch>
+        </p:blipFill>
+        <p:spPr>
+          <a:xfrm>
+            <a:off x="10077926" y="593679"/>
+            <a:ext cx="1081825" cy="1089498"/>
+          </a:xfrm>
+          <a:prstGeom prst="rect">
+            <a:avLst/>
+          </a:prstGeom>
+        </p:spPr>
+      </p:pic>
+      <p:sp>
+        <p:nvSpPr>
+          <p:cNvPr id="14" name="ZoneTexte 13">
+            <a:extLst>
+              <a:ext uri="{FF2B5EF4-FFF2-40B4-BE49-F238E27FC236}">
+                <a16:creationId xmlns:a16="http://schemas.microsoft.com/office/drawing/2014/main" id="{EBDA6E58-2251-5982-4AAF-0E1E916A99FD}"/>
+              </a:ext>
+            </a:extLst>
+          </p:cNvPr>
+          <p:cNvSpPr txBox="1"/>
+          <p:nvPr/>
+        </p:nvSpPr>
+        <p:spPr>
+          <a:xfrm>
+            <a:off x="657741" y="2692556"/>
+            <a:ext cx="5762047" cy="646331"/>
+          </a:xfrm>
+          <a:prstGeom prst="rect">
+            <a:avLst/>
+          </a:prstGeom>
+          <a:noFill/>
+        </p:spPr>
+        <p:txBody>
+          <a:bodyPr wrap="square" rtlCol="0">
+            <a:spAutoFit/>
+          </a:bodyPr>
+          <a:lstStyle/>
+          <a:p>
+            <a:r>
+              <a:rPr lang="fr-FR" b="1" dirty="0"/>
+              <a:t>Distribution</a:t>
+            </a:r>
+            <a:r>
+              <a:rPr lang="fr-FR" dirty="0"/>
+              <a:t> : ensemble de logiciels et de librairies</a:t>
+            </a:r>
+          </a:p>
+          <a:p>
+            <a:r>
+              <a:rPr lang="fr-FR" dirty="0"/>
+              <a:t>	</a:t>
+            </a:r>
+            <a:r>
+              <a:rPr lang="fr-FR" i="1" dirty="0"/>
+              <a:t>incluant des environnements et des interpréteurs</a:t>
+            </a:r>
+          </a:p>
+        </p:txBody>
+      </p:sp>
+      <p:pic>
+        <p:nvPicPr>
+          <p:cNvPr id="15" name="Picture 4">
+            <a:extLst>
+              <a:ext uri="{FF2B5EF4-FFF2-40B4-BE49-F238E27FC236}">
+                <a16:creationId xmlns:a16="http://schemas.microsoft.com/office/drawing/2014/main" id="{076BDC28-1543-97A6-5937-15E1C57A35BA}"/>
+              </a:ext>
+            </a:extLst>
+          </p:cNvPr>
+          <p:cNvPicPr>
+            <a:picLocks noChangeAspect="1" noChangeArrowheads="1"/>
+          </p:cNvPicPr>
+          <p:nvPr/>
+        </p:nvPicPr>
+        <p:blipFill>
+          <a:blip r:embed="rId4">
+            <a:extLst>
+              <a:ext uri="{28A0092B-C50C-407E-A947-70E740481C1C}">
+                <a14:useLocalDpi xmlns:a14="http://schemas.microsoft.com/office/drawing/2010/main" val="0"/>
+              </a:ext>
+            </a:extLst>
+          </a:blip>
+          <a:srcRect/>
+          <a:stretch>
+            <a:fillRect/>
+          </a:stretch>
+        </p:blipFill>
+        <p:spPr bwMode="auto">
+          <a:xfrm>
+            <a:off x="6565654" y="2614745"/>
+            <a:ext cx="670524" cy="670524"/>
+          </a:xfrm>
+          <a:prstGeom prst="rect">
+            <a:avLst/>
+          </a:prstGeom>
+          <a:noFill/>
+          <a:extLst>
+            <a:ext uri="{909E8E84-426E-40DD-AFC4-6F175D3DCCD1}">
+              <a14:hiddenFill xmlns:a14="http://schemas.microsoft.com/office/drawing/2010/main">
+                <a:solidFill>
+                  <a:srgbClr val="FFFFFF"/>
+                </a:solidFill>
+              </a14:hiddenFill>
+            </a:ext>
+          </a:extLst>
+        </p:spPr>
+      </p:pic>
+      <p:pic>
+        <p:nvPicPr>
+          <p:cNvPr id="16" name="Picture 14">
+            <a:extLst>
+              <a:ext uri="{FF2B5EF4-FFF2-40B4-BE49-F238E27FC236}">
+                <a16:creationId xmlns:a16="http://schemas.microsoft.com/office/drawing/2014/main" id="{B430F697-725E-3BA2-E163-8C57A348AA3B}"/>
+              </a:ext>
+            </a:extLst>
+          </p:cNvPr>
+          <p:cNvPicPr>
+            <a:picLocks noChangeAspect="1" noChangeArrowheads="1"/>
+          </p:cNvPicPr>
+          <p:nvPr/>
+        </p:nvPicPr>
+        <p:blipFill>
+          <a:blip r:embed="rId5">
+            <a:extLst>
+              <a:ext uri="{28A0092B-C50C-407E-A947-70E740481C1C}">
+                <a14:useLocalDpi xmlns:a14="http://schemas.microsoft.com/office/drawing/2010/main" val="0"/>
+              </a:ext>
+            </a:extLst>
+          </a:blip>
+          <a:srcRect/>
+          <a:stretch>
+            <a:fillRect/>
+          </a:stretch>
+        </p:blipFill>
+        <p:spPr bwMode="auto">
+          <a:xfrm>
+            <a:off x="1768544" y="3341123"/>
+            <a:ext cx="1054831" cy="829147"/>
+          </a:xfrm>
+          <a:prstGeom prst="rect">
+            <a:avLst/>
+          </a:prstGeom>
+          <a:noFill/>
+          <a:extLst>
+            <a:ext uri="{909E8E84-426E-40DD-AFC4-6F175D3DCCD1}">
+              <a14:hiddenFill xmlns:a14="http://schemas.microsoft.com/office/drawing/2010/main">
+                <a:solidFill>
+                  <a:srgbClr val="FFFFFF"/>
+                </a:solidFill>
+              </a14:hiddenFill>
+            </a:ext>
+          </a:extLst>
+        </p:spPr>
+      </p:pic>
+      <p:pic>
+        <p:nvPicPr>
+          <p:cNvPr id="17" name="Picture 16">
+            <a:extLst>
+              <a:ext uri="{FF2B5EF4-FFF2-40B4-BE49-F238E27FC236}">
+                <a16:creationId xmlns:a16="http://schemas.microsoft.com/office/drawing/2014/main" id="{B9086001-61C5-5059-26C3-21480C4025D3}"/>
+              </a:ext>
+            </a:extLst>
+          </p:cNvPr>
+          <p:cNvPicPr>
+            <a:picLocks noChangeAspect="1" noChangeArrowheads="1"/>
+          </p:cNvPicPr>
+          <p:nvPr/>
+        </p:nvPicPr>
+        <p:blipFill>
+          <a:blip r:embed="rId6">
+            <a:extLst>
+              <a:ext uri="{28A0092B-C50C-407E-A947-70E740481C1C}">
+                <a14:useLocalDpi xmlns:a14="http://schemas.microsoft.com/office/drawing/2010/main" val="0"/>
+              </a:ext>
+            </a:extLst>
+          </a:blip>
+          <a:srcRect/>
+          <a:stretch>
+            <a:fillRect/>
+          </a:stretch>
+        </p:blipFill>
+        <p:spPr bwMode="auto">
+          <a:xfrm>
+            <a:off x="1630468" y="5278149"/>
+            <a:ext cx="1192908" cy="670523"/>
+          </a:xfrm>
+          <a:prstGeom prst="rect">
+            <a:avLst/>
+          </a:prstGeom>
+          <a:noFill/>
+          <a:extLst>
+            <a:ext uri="{909E8E84-426E-40DD-AFC4-6F175D3DCCD1}">
+              <a14:hiddenFill xmlns:a14="http://schemas.microsoft.com/office/drawing/2010/main">
+                <a:solidFill>
+                  <a:srgbClr val="FFFFFF"/>
+                </a:solidFill>
+              </a14:hiddenFill>
+            </a:ext>
+          </a:extLst>
+        </p:spPr>
+      </p:pic>
+      <p:pic>
+        <p:nvPicPr>
+          <p:cNvPr id="18" name="Picture 20">
+            <a:extLst>
+              <a:ext uri="{FF2B5EF4-FFF2-40B4-BE49-F238E27FC236}">
+                <a16:creationId xmlns:a16="http://schemas.microsoft.com/office/drawing/2014/main" id="{B24824DD-2733-FEDC-4065-D1E7CC8523AD}"/>
+              </a:ext>
+            </a:extLst>
+          </p:cNvPr>
+          <p:cNvPicPr>
+            <a:picLocks noChangeAspect="1" noChangeArrowheads="1"/>
+          </p:cNvPicPr>
+          <p:nvPr/>
+        </p:nvPicPr>
+        <p:blipFill>
+          <a:blip r:embed="rId7">
+            <a:extLst>
+              <a:ext uri="{28A0092B-C50C-407E-A947-70E740481C1C}">
+                <a14:useLocalDpi xmlns:a14="http://schemas.microsoft.com/office/drawing/2010/main" val="0"/>
+              </a:ext>
+            </a:extLst>
+          </a:blip>
+          <a:srcRect/>
+          <a:stretch>
+            <a:fillRect/>
+          </a:stretch>
+        </p:blipFill>
+        <p:spPr bwMode="auto">
+          <a:xfrm>
+            <a:off x="4757841" y="5189321"/>
+            <a:ext cx="737703" cy="801851"/>
+          </a:xfrm>
+          <a:prstGeom prst="rect">
+            <a:avLst/>
+          </a:prstGeom>
+          <a:noFill/>
+          <a:extLst>
+            <a:ext uri="{909E8E84-426E-40DD-AFC4-6F175D3DCCD1}">
+              <a14:hiddenFill xmlns:a14="http://schemas.microsoft.com/office/drawing/2010/main">
+                <a:solidFill>
+                  <a:srgbClr val="FFFFFF"/>
+                </a:solidFill>
+              </a14:hiddenFill>
+            </a:ext>
+          </a:extLst>
+        </p:spPr>
+      </p:pic>
+      <p:pic>
+        <p:nvPicPr>
+          <p:cNvPr id="19" name="Picture 24">
+            <a:extLst>
+              <a:ext uri="{FF2B5EF4-FFF2-40B4-BE49-F238E27FC236}">
+                <a16:creationId xmlns:a16="http://schemas.microsoft.com/office/drawing/2014/main" id="{A112058F-FC33-FC67-7540-B9F5451781BD}"/>
+              </a:ext>
+            </a:extLst>
+          </p:cNvPr>
+          <p:cNvPicPr>
+            <a:picLocks noChangeAspect="1" noChangeArrowheads="1"/>
+          </p:cNvPicPr>
+          <p:nvPr/>
+        </p:nvPicPr>
+        <p:blipFill>
+          <a:blip r:embed="rId8">
+            <a:extLst>
+              <a:ext uri="{28A0092B-C50C-407E-A947-70E740481C1C}">
+                <a14:useLocalDpi xmlns:a14="http://schemas.microsoft.com/office/drawing/2010/main" val="0"/>
+              </a:ext>
+            </a:extLst>
+          </a:blip>
+          <a:srcRect/>
+          <a:stretch>
+            <a:fillRect/>
+          </a:stretch>
+        </p:blipFill>
+        <p:spPr bwMode="auto">
+          <a:xfrm>
+            <a:off x="3132935" y="5246669"/>
+            <a:ext cx="1202022" cy="801348"/>
+          </a:xfrm>
+          <a:prstGeom prst="rect">
+            <a:avLst/>
+          </a:prstGeom>
+          <a:noFill/>
+          <a:extLst>
+            <a:ext uri="{909E8E84-426E-40DD-AFC4-6F175D3DCCD1}">
+              <a14:hiddenFill xmlns:a14="http://schemas.microsoft.com/office/drawing/2010/main">
+                <a:solidFill>
+                  <a:srgbClr val="FFFFFF"/>
+                </a:solidFill>
+              </a14:hiddenFill>
+            </a:ext>
+          </a:extLst>
+        </p:spPr>
+      </p:pic>
+      <p:sp>
+        <p:nvSpPr>
+          <p:cNvPr id="20" name="ZoneTexte 19">
+            <a:extLst>
+              <a:ext uri="{FF2B5EF4-FFF2-40B4-BE49-F238E27FC236}">
+                <a16:creationId xmlns:a16="http://schemas.microsoft.com/office/drawing/2014/main" id="{C74D3A4C-6622-2AAE-A699-C0F0833588A0}"/>
+              </a:ext>
+            </a:extLst>
+          </p:cNvPr>
+          <p:cNvSpPr txBox="1"/>
+          <p:nvPr/>
+        </p:nvSpPr>
+        <p:spPr>
+          <a:xfrm>
+            <a:off x="657740" y="4231787"/>
+            <a:ext cx="6108820" cy="923330"/>
+          </a:xfrm>
+          <a:prstGeom prst="rect">
+            <a:avLst/>
+          </a:prstGeom>
+          <a:noFill/>
+        </p:spPr>
+        <p:txBody>
+          <a:bodyPr wrap="square" rtlCol="0">
+            <a:spAutoFit/>
+          </a:bodyPr>
+          <a:lstStyle/>
+          <a:p>
+            <a:r>
+              <a:rPr lang="fr-FR" b="1" dirty="0"/>
+              <a:t>Environnement (IDE)</a:t>
+            </a:r>
+            <a:r>
+              <a:rPr lang="fr-FR" dirty="0"/>
+              <a:t> : ensemble d'outils pour l’édition et l’interprétation des commandes / programmes</a:t>
+            </a:r>
+          </a:p>
+          <a:p>
+            <a:r>
+              <a:rPr lang="fr-FR" dirty="0"/>
+              <a:t>	</a:t>
+            </a:r>
+            <a:r>
+              <a:rPr lang="fr-FR" i="1" dirty="0"/>
+              <a:t>incluant des interpréteurs et des éditeurs de texte</a:t>
+            </a:r>
+          </a:p>
+        </p:txBody>
+      </p:sp>
+      <p:pic>
+        <p:nvPicPr>
+          <p:cNvPr id="21" name="Picture 2" descr="alternate text">
+            <a:extLst>
+              <a:ext uri="{FF2B5EF4-FFF2-40B4-BE49-F238E27FC236}">
+                <a16:creationId xmlns:a16="http://schemas.microsoft.com/office/drawing/2014/main" id="{417E1A28-45C5-4476-26A4-7994A5B7D2B7}"/>
+              </a:ext>
+            </a:extLst>
+          </p:cNvPr>
+          <p:cNvPicPr>
+            <a:picLocks noChangeAspect="1" noChangeArrowheads="1"/>
+          </p:cNvPicPr>
+          <p:nvPr/>
+        </p:nvPicPr>
+        <p:blipFill>
+          <a:blip r:embed="rId9" cstate="hqprint">
+            <a:extLst>
+              <a:ext uri="{28A0092B-C50C-407E-A947-70E740481C1C}">
+                <a14:useLocalDpi xmlns:a14="http://schemas.microsoft.com/office/drawing/2010/main" val="0"/>
+              </a:ext>
+            </a:extLst>
+          </a:blip>
+          <a:srcRect/>
+          <a:stretch>
+            <a:fillRect/>
+          </a:stretch>
+        </p:blipFill>
+        <p:spPr bwMode="auto">
+          <a:xfrm>
+            <a:off x="3928693" y="3371881"/>
+            <a:ext cx="829148" cy="829148"/>
+          </a:xfrm>
+          <a:prstGeom prst="rect">
+            <a:avLst/>
+          </a:prstGeom>
+          <a:noFill/>
+          <a:extLst>
+            <a:ext uri="{909E8E84-426E-40DD-AFC4-6F175D3DCCD1}">
+              <a14:hiddenFill xmlns:a14="http://schemas.microsoft.com/office/drawing/2010/main">
+                <a:solidFill>
+                  <a:srgbClr val="FFFFFF"/>
+                </a:solidFill>
+              </a14:hiddenFill>
+            </a:ext>
+          </a:extLst>
+        </p:spPr>
+      </p:pic>
+      <p:sp>
+        <p:nvSpPr>
+          <p:cNvPr id="22" name="ZoneTexte 21">
+            <a:extLst>
+              <a:ext uri="{FF2B5EF4-FFF2-40B4-BE49-F238E27FC236}">
+                <a16:creationId xmlns:a16="http://schemas.microsoft.com/office/drawing/2014/main" id="{5462ADF9-7FFE-C6A7-48E3-BDEFAAC105F1}"/>
+              </a:ext>
+            </a:extLst>
+          </p:cNvPr>
+          <p:cNvSpPr txBox="1"/>
+          <p:nvPr/>
+        </p:nvSpPr>
+        <p:spPr>
+          <a:xfrm>
+            <a:off x="7960749" y="2692555"/>
+            <a:ext cx="3706995" cy="923330"/>
+          </a:xfrm>
+          <a:prstGeom prst="rect">
+            <a:avLst/>
+          </a:prstGeom>
+          <a:noFill/>
+        </p:spPr>
+        <p:txBody>
+          <a:bodyPr wrap="square" rtlCol="0">
+            <a:spAutoFit/>
+          </a:bodyPr>
+          <a:lstStyle/>
+          <a:p>
+            <a:r>
+              <a:rPr lang="fr-FR" b="1" dirty="0"/>
+              <a:t>Bibliothèques</a:t>
+            </a:r>
+            <a:r>
+              <a:rPr lang="fr-FR" dirty="0"/>
+              <a:t> : ensemble de modules supplémentaires </a:t>
+            </a:r>
+            <a:br>
+              <a:rPr lang="fr-FR" dirty="0"/>
+            </a:br>
+            <a:r>
+              <a:rPr lang="fr-FR" i="1" dirty="0"/>
+              <a:t>incluant des classes, des fonctions…</a:t>
+            </a:r>
+          </a:p>
+        </p:txBody>
+      </p:sp>
+      <p:pic>
+        <p:nvPicPr>
+          <p:cNvPr id="23" name="Picture 6">
+            <a:extLst>
+              <a:ext uri="{FF2B5EF4-FFF2-40B4-BE49-F238E27FC236}">
+                <a16:creationId xmlns:a16="http://schemas.microsoft.com/office/drawing/2014/main" id="{83C21B94-A65A-CD00-E802-46C4FBDB0BC0}"/>
+              </a:ext>
+            </a:extLst>
+          </p:cNvPr>
+          <p:cNvPicPr>
+            <a:picLocks noChangeAspect="1" noChangeArrowheads="1"/>
+          </p:cNvPicPr>
+          <p:nvPr/>
+        </p:nvPicPr>
+        <p:blipFill>
+          <a:blip r:embed="rId10">
+            <a:extLst>
+              <a:ext uri="{28A0092B-C50C-407E-A947-70E740481C1C}">
+                <a14:useLocalDpi xmlns:a14="http://schemas.microsoft.com/office/drawing/2010/main" val="0"/>
+              </a:ext>
+            </a:extLst>
+          </a:blip>
+          <a:srcRect/>
+          <a:stretch>
+            <a:fillRect/>
+          </a:stretch>
+        </p:blipFill>
+        <p:spPr bwMode="auto">
+          <a:xfrm>
+            <a:off x="8301801" y="4010158"/>
+            <a:ext cx="1319971" cy="593846"/>
+          </a:xfrm>
+          <a:prstGeom prst="rect">
+            <a:avLst/>
+          </a:prstGeom>
+          <a:noFill/>
+          <a:extLst>
+            <a:ext uri="{909E8E84-426E-40DD-AFC4-6F175D3DCCD1}">
+              <a14:hiddenFill xmlns:a14="http://schemas.microsoft.com/office/drawing/2010/main">
+                <a:solidFill>
+                  <a:srgbClr val="FFFFFF"/>
+                </a:solidFill>
+              </a14:hiddenFill>
+            </a:ext>
+          </a:extLst>
+        </p:spPr>
+      </p:pic>
+      <p:pic>
+        <p:nvPicPr>
+          <p:cNvPr id="24" name="Picture 8">
+            <a:extLst>
+              <a:ext uri="{FF2B5EF4-FFF2-40B4-BE49-F238E27FC236}">
+                <a16:creationId xmlns:a16="http://schemas.microsoft.com/office/drawing/2014/main" id="{178B3986-522A-593E-BB88-C9DE7799BA8C}"/>
+              </a:ext>
+            </a:extLst>
+          </p:cNvPr>
+          <p:cNvPicPr>
+            <a:picLocks noChangeAspect="1" noChangeArrowheads="1"/>
+          </p:cNvPicPr>
+          <p:nvPr/>
+        </p:nvPicPr>
+        <p:blipFill>
+          <a:blip r:embed="rId11">
+            <a:extLst>
+              <a:ext uri="{28A0092B-C50C-407E-A947-70E740481C1C}">
+                <a14:useLocalDpi xmlns:a14="http://schemas.microsoft.com/office/drawing/2010/main" val="0"/>
+              </a:ext>
+            </a:extLst>
+          </a:blip>
+          <a:srcRect/>
+          <a:stretch>
+            <a:fillRect/>
+          </a:stretch>
+        </p:blipFill>
+        <p:spPr bwMode="auto">
+          <a:xfrm>
+            <a:off x="10162505" y="4201029"/>
+            <a:ext cx="1326582" cy="277071"/>
+          </a:xfrm>
+          <a:prstGeom prst="rect">
+            <a:avLst/>
+          </a:prstGeom>
+          <a:noFill/>
+          <a:extLst>
+            <a:ext uri="{909E8E84-426E-40DD-AFC4-6F175D3DCCD1}">
+              <a14:hiddenFill xmlns:a14="http://schemas.microsoft.com/office/drawing/2010/main">
+                <a:solidFill>
+                  <a:srgbClr val="FFFFFF"/>
+                </a:solidFill>
+              </a14:hiddenFill>
+            </a:ext>
+          </a:extLst>
+        </p:spPr>
+      </p:pic>
+      <p:pic>
+        <p:nvPicPr>
+          <p:cNvPr id="25" name="Picture 10">
+            <a:extLst>
+              <a:ext uri="{FF2B5EF4-FFF2-40B4-BE49-F238E27FC236}">
+                <a16:creationId xmlns:a16="http://schemas.microsoft.com/office/drawing/2014/main" id="{BB627795-BC4D-1A64-774C-BB5B745004F1}"/>
+              </a:ext>
+            </a:extLst>
+          </p:cNvPr>
+          <p:cNvPicPr>
+            <a:picLocks noChangeAspect="1" noChangeArrowheads="1"/>
+          </p:cNvPicPr>
+          <p:nvPr/>
+        </p:nvPicPr>
+        <p:blipFill>
+          <a:blip r:embed="rId12" cstate="hqprint">
+            <a:extLst>
+              <a:ext uri="{28A0092B-C50C-407E-A947-70E740481C1C}">
+                <a14:useLocalDpi xmlns:a14="http://schemas.microsoft.com/office/drawing/2010/main" val="0"/>
+              </a:ext>
+            </a:extLst>
+          </a:blip>
+          <a:srcRect/>
+          <a:stretch>
+            <a:fillRect/>
+          </a:stretch>
+        </p:blipFill>
+        <p:spPr bwMode="auto">
+          <a:xfrm>
+            <a:off x="10363863" y="4597164"/>
+            <a:ext cx="1085760" cy="610740"/>
+          </a:xfrm>
+          <a:prstGeom prst="rect">
+            <a:avLst/>
+          </a:prstGeom>
+          <a:noFill/>
+          <a:extLst>
+            <a:ext uri="{909E8E84-426E-40DD-AFC4-6F175D3DCCD1}">
+              <a14:hiddenFill xmlns:a14="http://schemas.microsoft.com/office/drawing/2010/main">
+                <a:solidFill>
+                  <a:srgbClr val="FFFFFF"/>
+                </a:solidFill>
+              </a14:hiddenFill>
+            </a:ext>
+          </a:extLst>
+        </p:spPr>
+      </p:pic>
+      <p:pic>
+        <p:nvPicPr>
+          <p:cNvPr id="26" name="Picture 12">
+            <a:extLst>
+              <a:ext uri="{FF2B5EF4-FFF2-40B4-BE49-F238E27FC236}">
+                <a16:creationId xmlns:a16="http://schemas.microsoft.com/office/drawing/2014/main" id="{09388F39-5468-4DD0-AEA9-34EC3DF47384}"/>
+              </a:ext>
+            </a:extLst>
+          </p:cNvPr>
+          <p:cNvPicPr>
+            <a:picLocks noChangeAspect="1" noChangeArrowheads="1"/>
+          </p:cNvPicPr>
+          <p:nvPr/>
+        </p:nvPicPr>
+        <p:blipFill>
+          <a:blip r:embed="rId13">
+            <a:extLst>
+              <a:ext uri="{28A0092B-C50C-407E-A947-70E740481C1C}">
+                <a14:useLocalDpi xmlns:a14="http://schemas.microsoft.com/office/drawing/2010/main" val="0"/>
+              </a:ext>
+            </a:extLst>
+          </a:blip>
+          <a:srcRect/>
+          <a:stretch>
+            <a:fillRect/>
+          </a:stretch>
+        </p:blipFill>
+        <p:spPr bwMode="auto">
+          <a:xfrm>
+            <a:off x="8328119" y="4742698"/>
+            <a:ext cx="1288002" cy="511158"/>
+          </a:xfrm>
+          <a:prstGeom prst="rect">
+            <a:avLst/>
+          </a:prstGeom>
+          <a:noFill/>
+          <a:extLst>
+            <a:ext uri="{909E8E84-426E-40DD-AFC4-6F175D3DCCD1}">
+              <a14:hiddenFill xmlns:a14="http://schemas.microsoft.com/office/drawing/2010/main">
+                <a:solidFill>
+                  <a:srgbClr val="FFFFFF"/>
+                </a:solidFill>
+              </a14:hiddenFill>
+            </a:ext>
+          </a:extLst>
+        </p:spPr>
+      </p:pic>
+      <p:pic>
+        <p:nvPicPr>
+          <p:cNvPr id="27" name="Picture 18">
+            <a:extLst>
+              <a:ext uri="{FF2B5EF4-FFF2-40B4-BE49-F238E27FC236}">
+                <a16:creationId xmlns:a16="http://schemas.microsoft.com/office/drawing/2014/main" id="{D0950A71-76B6-F20D-2DBC-30805FE255E9}"/>
+              </a:ext>
+            </a:extLst>
+          </p:cNvPr>
+          <p:cNvPicPr>
+            <a:picLocks noChangeAspect="1" noChangeArrowheads="1"/>
+          </p:cNvPicPr>
+          <p:nvPr/>
+        </p:nvPicPr>
+        <p:blipFill>
+          <a:blip r:embed="rId14">
+            <a:extLst>
+              <a:ext uri="{28A0092B-C50C-407E-A947-70E740481C1C}">
+                <a14:useLocalDpi xmlns:a14="http://schemas.microsoft.com/office/drawing/2010/main" val="0"/>
+              </a:ext>
+            </a:extLst>
+          </a:blip>
+          <a:srcRect/>
+          <a:stretch>
+            <a:fillRect/>
+          </a:stretch>
+        </p:blipFill>
+        <p:spPr bwMode="auto">
+          <a:xfrm>
+            <a:off x="10233557" y="5448726"/>
+            <a:ext cx="1242289" cy="499946"/>
+          </a:xfrm>
+          <a:prstGeom prst="rect">
+            <a:avLst/>
+          </a:prstGeom>
+          <a:noFill/>
+          <a:extLst>
+            <a:ext uri="{909E8E84-426E-40DD-AFC4-6F175D3DCCD1}">
+              <a14:hiddenFill xmlns:a14="http://schemas.microsoft.com/office/drawing/2010/main">
+                <a:solidFill>
+                  <a:srgbClr val="FFFFFF"/>
+                </a:solidFill>
+              </a14:hiddenFill>
+            </a:ext>
+          </a:extLst>
+        </p:spPr>
+      </p:pic>
+      <p:pic>
+        <p:nvPicPr>
+          <p:cNvPr id="28" name="Picture 22">
+            <a:extLst>
+              <a:ext uri="{FF2B5EF4-FFF2-40B4-BE49-F238E27FC236}">
+                <a16:creationId xmlns:a16="http://schemas.microsoft.com/office/drawing/2014/main" id="{97F0E80A-0BC0-464B-88E6-6B3F9387A23B}"/>
+              </a:ext>
+            </a:extLst>
+          </p:cNvPr>
+          <p:cNvPicPr>
+            <a:picLocks noChangeAspect="1" noChangeArrowheads="1"/>
+          </p:cNvPicPr>
+          <p:nvPr/>
+        </p:nvPicPr>
+        <p:blipFill>
+          <a:blip r:embed="rId15">
+            <a:extLst>
+              <a:ext uri="{28A0092B-C50C-407E-A947-70E740481C1C}">
+                <a14:useLocalDpi xmlns:a14="http://schemas.microsoft.com/office/drawing/2010/main" val="0"/>
+              </a:ext>
+            </a:extLst>
+          </a:blip>
+          <a:srcRect/>
+          <a:stretch>
+            <a:fillRect/>
+          </a:stretch>
+        </p:blipFill>
+        <p:spPr bwMode="auto">
+          <a:xfrm>
+            <a:off x="8740963" y="5454171"/>
+            <a:ext cx="672343" cy="593846"/>
+          </a:xfrm>
+          <a:prstGeom prst="rect">
+            <a:avLst/>
+          </a:prstGeom>
+          <a:noFill/>
+          <a:extLst>
+            <a:ext uri="{909E8E84-426E-40DD-AFC4-6F175D3DCCD1}">
+              <a14:hiddenFill xmlns:a14="http://schemas.microsoft.com/office/drawing/2010/main">
+                <a:solidFill>
+                  <a:srgbClr val="FFFFFF"/>
+                </a:solidFill>
+              </a14:hiddenFill>
+            </a:ext>
+          </a:extLst>
         </p:spPr>
       </p:pic>
     </p:spTree>
@@ -5772,7 +6436,7 @@
           <a:p>
             <a:r>
               <a:rPr lang="fr-FR" dirty="0"/>
-              <a:t>Listes, vecteurs… c’est pareil, non ?</a:t>
+              <a:t>Quelques rappels sous Python</a:t>
             </a:r>
           </a:p>
         </p:txBody>
@@ -5800,7 +6464,7 @@
           <a:p>
             <a:r>
               <a:rPr lang="fr-FR" dirty="0"/>
-              <a:t>TO DO</a:t>
+              <a:t>Variables</a:t>
             </a:r>
           </a:p>
         </p:txBody>
@@ -5826,7 +6490,10 @@
           <a:bodyPr/>
           <a:lstStyle/>
           <a:p>
-            <a:endParaRPr lang="fr-FR" dirty="0"/>
+            <a:r>
+              <a:rPr lang="fr-FR" dirty="0"/>
+              <a:t>Listes</a:t>
+            </a:r>
           </a:p>
         </p:txBody>
       </p:sp>
@@ -5866,10 +6533,1010 @@
           </a:prstGeom>
         </p:spPr>
       </p:pic>
+      <p:pic>
+        <p:nvPicPr>
+          <p:cNvPr id="7" name="Image 6">
+            <a:extLst>
+              <a:ext uri="{FF2B5EF4-FFF2-40B4-BE49-F238E27FC236}">
+                <a16:creationId xmlns:a16="http://schemas.microsoft.com/office/drawing/2014/main" id="{5BB01D49-602A-9314-FD1F-4EC628128217}"/>
+              </a:ext>
+            </a:extLst>
+          </p:cNvPr>
+          <p:cNvPicPr>
+            <a:picLocks noChangeAspect="1"/>
+          </p:cNvPicPr>
+          <p:nvPr/>
+        </p:nvPicPr>
+        <p:blipFill>
+          <a:blip r:embed="rId3"/>
+          <a:stretch>
+            <a:fillRect/>
+          </a:stretch>
+        </p:blipFill>
+        <p:spPr>
+          <a:xfrm>
+            <a:off x="10077926" y="593679"/>
+            <a:ext cx="1081825" cy="1089498"/>
+          </a:xfrm>
+          <a:prstGeom prst="rect">
+            <a:avLst/>
+          </a:prstGeom>
+        </p:spPr>
+      </p:pic>
+      <p:sp>
+        <p:nvSpPr>
+          <p:cNvPr id="6" name="ZoneTexte 5">
+            <a:extLst>
+              <a:ext uri="{FF2B5EF4-FFF2-40B4-BE49-F238E27FC236}">
+                <a16:creationId xmlns:a16="http://schemas.microsoft.com/office/drawing/2014/main" id="{6791B4E9-865B-BC73-B7D5-34201D8E7E81}"/>
+              </a:ext>
+            </a:extLst>
+          </p:cNvPr>
+          <p:cNvSpPr txBox="1"/>
+          <p:nvPr/>
+        </p:nvSpPr>
+        <p:spPr>
+          <a:xfrm>
+            <a:off x="822960" y="3302376"/>
+            <a:ext cx="4765173" cy="923330"/>
+          </a:xfrm>
+          <a:prstGeom prst="rect">
+            <a:avLst/>
+          </a:prstGeom>
+          <a:solidFill>
+            <a:schemeClr val="accent1">
+              <a:lumMod val="40000"/>
+              <a:lumOff val="60000"/>
+            </a:schemeClr>
+          </a:solidFill>
+        </p:spPr>
+        <p:txBody>
+          <a:bodyPr wrap="square" rtlCol="0">
+            <a:spAutoFit/>
+          </a:bodyPr>
+          <a:lstStyle/>
+          <a:p>
+            <a:r>
+              <a:rPr lang="fr-FR" dirty="0"/>
+              <a:t>a = 2 + 3</a:t>
+            </a:r>
+          </a:p>
+          <a:p>
+            <a:r>
+              <a:rPr lang="fr-FR" b="1" dirty="0" err="1"/>
+              <a:t>print</a:t>
+            </a:r>
+            <a:r>
+              <a:rPr lang="fr-FR" b="1" dirty="0"/>
+              <a:t>( </a:t>
+            </a:r>
+            <a:r>
+              <a:rPr lang="fr-FR" dirty="0"/>
+              <a:t>a </a:t>
+            </a:r>
+            <a:r>
+              <a:rPr lang="fr-FR" b="1" dirty="0"/>
+              <a:t>)</a:t>
+            </a:r>
+          </a:p>
+          <a:p>
+            <a:r>
+              <a:rPr lang="fr-FR" b="1" dirty="0" err="1"/>
+              <a:t>print</a:t>
+            </a:r>
+            <a:r>
+              <a:rPr lang="fr-FR" b="1" dirty="0"/>
+              <a:t>( </a:t>
+            </a:r>
+            <a:r>
+              <a:rPr lang="fr-FR" dirty="0"/>
+              <a:t>'a =‘, a </a:t>
+            </a:r>
+            <a:r>
+              <a:rPr lang="fr-FR" b="1" dirty="0"/>
+              <a:t>)</a:t>
+            </a:r>
+          </a:p>
+        </p:txBody>
+      </p:sp>
+      <p:sp>
+        <p:nvSpPr>
+          <p:cNvPr id="8" name="ZoneTexte 7">
+            <a:extLst>
+              <a:ext uri="{FF2B5EF4-FFF2-40B4-BE49-F238E27FC236}">
+                <a16:creationId xmlns:a16="http://schemas.microsoft.com/office/drawing/2014/main" id="{D98B4CA4-C1C3-58C3-C241-7DE626F64960}"/>
+              </a:ext>
+            </a:extLst>
+          </p:cNvPr>
+          <p:cNvSpPr txBox="1"/>
+          <p:nvPr/>
+        </p:nvSpPr>
+        <p:spPr>
+          <a:xfrm>
+            <a:off x="1391037" y="4340869"/>
+            <a:ext cx="4197096" cy="646331"/>
+          </a:xfrm>
+          <a:prstGeom prst="rect">
+            <a:avLst/>
+          </a:prstGeom>
+          <a:solidFill>
+            <a:schemeClr val="accent1">
+              <a:lumMod val="20000"/>
+              <a:lumOff val="80000"/>
+            </a:schemeClr>
+          </a:solidFill>
+        </p:spPr>
+        <p:txBody>
+          <a:bodyPr wrap="square" rtlCol="0">
+            <a:spAutoFit/>
+          </a:bodyPr>
+          <a:lstStyle/>
+          <a:p>
+            <a:r>
+              <a:rPr lang="fr-FR" dirty="0"/>
+              <a:t>5</a:t>
+            </a:r>
+          </a:p>
+          <a:p>
+            <a:r>
+              <a:rPr lang="fr-FR" dirty="0"/>
+              <a:t>a = 5</a:t>
+            </a:r>
+          </a:p>
+        </p:txBody>
+      </p:sp>
+      <p:sp>
+        <p:nvSpPr>
+          <p:cNvPr id="9" name="ZoneTexte 8">
+            <a:extLst>
+              <a:ext uri="{FF2B5EF4-FFF2-40B4-BE49-F238E27FC236}">
+                <a16:creationId xmlns:a16="http://schemas.microsoft.com/office/drawing/2014/main" id="{9EFBC0E8-2C60-3A0F-C4E0-666595ED9ADC}"/>
+              </a:ext>
+            </a:extLst>
+          </p:cNvPr>
+          <p:cNvSpPr txBox="1"/>
+          <p:nvPr/>
+        </p:nvSpPr>
+        <p:spPr>
+          <a:xfrm>
+            <a:off x="6913050" y="3995610"/>
+            <a:ext cx="4197096" cy="369332"/>
+          </a:xfrm>
+          <a:prstGeom prst="rect">
+            <a:avLst/>
+          </a:prstGeom>
+          <a:solidFill>
+            <a:schemeClr val="accent1">
+              <a:lumMod val="20000"/>
+              <a:lumOff val="80000"/>
+            </a:schemeClr>
+          </a:solidFill>
+        </p:spPr>
+        <p:txBody>
+          <a:bodyPr wrap="square" rtlCol="0">
+            <a:spAutoFit/>
+          </a:bodyPr>
+          <a:lstStyle/>
+          <a:p>
+            <a:r>
+              <a:rPr lang="fr-FR" dirty="0"/>
+              <a:t>[1, 2, 3]</a:t>
+            </a:r>
+          </a:p>
+        </p:txBody>
+      </p:sp>
+      <p:sp>
+        <p:nvSpPr>
+          <p:cNvPr id="10" name="ZoneTexte 9">
+            <a:extLst>
+              <a:ext uri="{FF2B5EF4-FFF2-40B4-BE49-F238E27FC236}">
+                <a16:creationId xmlns:a16="http://schemas.microsoft.com/office/drawing/2014/main" id="{38C09160-4D77-DED3-896F-2F1528589976}"/>
+              </a:ext>
+            </a:extLst>
+          </p:cNvPr>
+          <p:cNvSpPr txBox="1"/>
+          <p:nvPr/>
+        </p:nvSpPr>
+        <p:spPr>
+          <a:xfrm>
+            <a:off x="6913050" y="4950353"/>
+            <a:ext cx="4197096" cy="369332"/>
+          </a:xfrm>
+          <a:prstGeom prst="rect">
+            <a:avLst/>
+          </a:prstGeom>
+          <a:solidFill>
+            <a:schemeClr val="accent1">
+              <a:lumMod val="20000"/>
+              <a:lumOff val="80000"/>
+            </a:schemeClr>
+          </a:solidFill>
+        </p:spPr>
+        <p:txBody>
+          <a:bodyPr wrap="square" rtlCol="0">
+            <a:spAutoFit/>
+          </a:bodyPr>
+          <a:lstStyle/>
+          <a:p>
+            <a:r>
+              <a:rPr lang="fr-FR" dirty="0"/>
+              <a:t>2</a:t>
+            </a:r>
+          </a:p>
+        </p:txBody>
+      </p:sp>
+      <p:sp>
+        <p:nvSpPr>
+          <p:cNvPr id="11" name="ZoneTexte 10">
+            <a:extLst>
+              <a:ext uri="{FF2B5EF4-FFF2-40B4-BE49-F238E27FC236}">
+                <a16:creationId xmlns:a16="http://schemas.microsoft.com/office/drawing/2014/main" id="{8919C08D-4BD9-E355-43E2-5BD22F224950}"/>
+              </a:ext>
+            </a:extLst>
+          </p:cNvPr>
+          <p:cNvSpPr txBox="1"/>
+          <p:nvPr/>
+        </p:nvSpPr>
+        <p:spPr>
+          <a:xfrm>
+            <a:off x="6344973" y="3298959"/>
+            <a:ext cx="4765173" cy="646331"/>
+          </a:xfrm>
+          <a:prstGeom prst="rect">
+            <a:avLst/>
+          </a:prstGeom>
+          <a:solidFill>
+            <a:schemeClr val="accent1">
+              <a:lumMod val="40000"/>
+              <a:lumOff val="60000"/>
+            </a:schemeClr>
+          </a:solidFill>
+        </p:spPr>
+        <p:txBody>
+          <a:bodyPr wrap="square" rtlCol="0">
+            <a:spAutoFit/>
+          </a:bodyPr>
+          <a:lstStyle/>
+          <a:p>
+            <a:r>
+              <a:rPr lang="fr-FR" dirty="0"/>
+              <a:t>b = [1, 2, 3]</a:t>
+            </a:r>
+          </a:p>
+          <a:p>
+            <a:r>
+              <a:rPr lang="fr-FR" b="1" dirty="0" err="1"/>
+              <a:t>print</a:t>
+            </a:r>
+            <a:r>
+              <a:rPr lang="fr-FR" b="1" dirty="0"/>
+              <a:t>( </a:t>
+            </a:r>
+            <a:r>
+              <a:rPr lang="fr-FR" dirty="0"/>
+              <a:t>b </a:t>
+            </a:r>
+            <a:r>
+              <a:rPr lang="fr-FR" b="1" dirty="0"/>
+              <a:t>)</a:t>
+            </a:r>
+          </a:p>
+        </p:txBody>
+      </p:sp>
+      <p:sp>
+        <p:nvSpPr>
+          <p:cNvPr id="12" name="ZoneTexte 11">
+            <a:extLst>
+              <a:ext uri="{FF2B5EF4-FFF2-40B4-BE49-F238E27FC236}">
+                <a16:creationId xmlns:a16="http://schemas.microsoft.com/office/drawing/2014/main" id="{734810CA-E31C-6FF1-749A-102574572B11}"/>
+              </a:ext>
+            </a:extLst>
+          </p:cNvPr>
+          <p:cNvSpPr txBox="1"/>
+          <p:nvPr/>
+        </p:nvSpPr>
+        <p:spPr>
+          <a:xfrm>
+            <a:off x="6344973" y="4524402"/>
+            <a:ext cx="4765173" cy="369332"/>
+          </a:xfrm>
+          <a:prstGeom prst="rect">
+            <a:avLst/>
+          </a:prstGeom>
+          <a:solidFill>
+            <a:schemeClr val="accent1">
+              <a:lumMod val="40000"/>
+              <a:lumOff val="60000"/>
+            </a:schemeClr>
+          </a:solidFill>
+        </p:spPr>
+        <p:txBody>
+          <a:bodyPr wrap="square" rtlCol="0">
+            <a:spAutoFit/>
+          </a:bodyPr>
+          <a:lstStyle/>
+          <a:p>
+            <a:r>
+              <a:rPr lang="fr-FR" b="1" dirty="0" err="1"/>
+              <a:t>print</a:t>
+            </a:r>
+            <a:r>
+              <a:rPr lang="fr-FR" b="1" dirty="0"/>
+              <a:t>( </a:t>
+            </a:r>
+            <a:r>
+              <a:rPr lang="fr-FR" dirty="0"/>
+              <a:t>b</a:t>
+            </a:r>
+            <a:r>
+              <a:rPr lang="fr-FR" b="1" dirty="0"/>
+              <a:t>[</a:t>
+            </a:r>
+            <a:r>
+              <a:rPr lang="fr-FR" dirty="0"/>
+              <a:t>1</a:t>
+            </a:r>
+            <a:r>
+              <a:rPr lang="fr-FR" b="1" dirty="0"/>
+              <a:t>]</a:t>
+            </a:r>
+            <a:r>
+              <a:rPr lang="fr-FR" dirty="0"/>
+              <a:t> </a:t>
+            </a:r>
+            <a:r>
+              <a:rPr lang="fr-FR" b="1" dirty="0"/>
+              <a:t>)</a:t>
+            </a:r>
+          </a:p>
+        </p:txBody>
+      </p:sp>
+    </p:spTree>
+    <p:extLst>
+      <p:ext uri="{BB962C8B-B14F-4D97-AF65-F5344CB8AC3E}">
+        <p14:creationId xmlns:p14="http://schemas.microsoft.com/office/powerpoint/2010/main" val="467829572"/>
+      </p:ext>
+    </p:extLst>
+  </p:cSld>
+  <p:clrMapOvr>
+    <a:masterClrMapping/>
+  </p:clrMapOvr>
+</p:sld>
+</file>
+
+<file path=ppt/slides/slide4.xml><?xml version="1.0" encoding="utf-8"?>
+<p:sld xmlns:a="http://schemas.openxmlformats.org/drawingml/2006/main" xmlns:r="http://schemas.openxmlformats.org/officeDocument/2006/relationships" xmlns:p="http://schemas.openxmlformats.org/presentationml/2006/main">
+  <p:cSld>
+    <p:spTree>
+      <p:nvGrpSpPr>
+        <p:cNvPr id="1" name=""/>
+        <p:cNvGrpSpPr/>
+        <p:nvPr/>
+      </p:nvGrpSpPr>
+      <p:grpSpPr>
+        <a:xfrm>
+          <a:off x="0" y="0"/>
+          <a:ext cx="0" cy="0"/>
+          <a:chOff x="0" y="0"/>
+          <a:chExt cx="0" cy="0"/>
+        </a:xfrm>
+      </p:grpSpPr>
+      <p:sp>
+        <p:nvSpPr>
+          <p:cNvPr id="2" name="Titre 1">
+            <a:extLst>
+              <a:ext uri="{FF2B5EF4-FFF2-40B4-BE49-F238E27FC236}">
+                <a16:creationId xmlns:a16="http://schemas.microsoft.com/office/drawing/2014/main" id="{90162AE8-C1B0-5C56-8313-DEE494F38273}"/>
+              </a:ext>
+            </a:extLst>
+          </p:cNvPr>
+          <p:cNvSpPr>
+            <a:spLocks noGrp="1"/>
+          </p:cNvSpPr>
+          <p:nvPr>
+            <p:ph type="title"/>
+          </p:nvPr>
+        </p:nvSpPr>
+        <p:spPr/>
+        <p:txBody>
+          <a:bodyPr/>
+          <a:lstStyle/>
+          <a:p>
+            <a:r>
+              <a:rPr lang="fr-FR" dirty="0"/>
+              <a:t>Doit-on faire confiance aux ordinateurs ?</a:t>
+            </a:r>
+          </a:p>
+        </p:txBody>
+      </p:sp>
+      <p:sp>
+        <p:nvSpPr>
+          <p:cNvPr id="3" name="Espace réservé du contenu 2">
+            <a:extLst>
+              <a:ext uri="{FF2B5EF4-FFF2-40B4-BE49-F238E27FC236}">
+                <a16:creationId xmlns:a16="http://schemas.microsoft.com/office/drawing/2014/main" id="{E0BBB9DE-019C-C741-F224-494739D4B752}"/>
+              </a:ext>
+            </a:extLst>
+          </p:cNvPr>
+          <p:cNvSpPr>
+            <a:spLocks noGrp="1"/>
+          </p:cNvSpPr>
+          <p:nvPr>
+            <p:ph sz="half" idx="1"/>
+          </p:nvPr>
+        </p:nvSpPr>
+        <p:spPr/>
+        <p:txBody>
+          <a:bodyPr/>
+          <a:lstStyle/>
+          <a:p>
+            <a:r>
+              <a:rPr lang="fr-FR" dirty="0"/>
+              <a:t>Testez les deux calculs suivants sous Python</a:t>
+            </a:r>
+          </a:p>
+          <a:p>
+            <a:endParaRPr lang="fr-FR" dirty="0"/>
+          </a:p>
+          <a:p>
+            <a:pPr marL="0" indent="0">
+              <a:buNone/>
+            </a:pPr>
+            <a:r>
+              <a:rPr lang="fr-FR"/>
+              <a:t>&gt; 3 </a:t>
+            </a:r>
+            <a:r>
+              <a:rPr lang="fr-FR" dirty="0"/>
+              <a:t>– 2 – 1</a:t>
+            </a:r>
+          </a:p>
+          <a:p>
+            <a:pPr marL="0" indent="0">
+              <a:buNone/>
+            </a:pPr>
+            <a:r>
+              <a:rPr lang="fr-FR" dirty="0"/>
+              <a:t>&gt; 0.3 – 0.2 – 0.1</a:t>
+            </a:r>
+          </a:p>
+        </p:txBody>
+      </p:sp>
+      <p:sp>
+        <p:nvSpPr>
+          <p:cNvPr id="4" name="Espace réservé du contenu 3">
+            <a:extLst>
+              <a:ext uri="{FF2B5EF4-FFF2-40B4-BE49-F238E27FC236}">
+                <a16:creationId xmlns:a16="http://schemas.microsoft.com/office/drawing/2014/main" id="{933F96BD-2653-AD25-8139-9FF3B2C19755}"/>
+              </a:ext>
+            </a:extLst>
+          </p:cNvPr>
+          <p:cNvSpPr>
+            <a:spLocks noGrp="1"/>
+          </p:cNvSpPr>
+          <p:nvPr>
+            <p:ph sz="half" idx="2"/>
+          </p:nvPr>
+        </p:nvSpPr>
+        <p:spPr/>
+        <p:txBody>
+          <a:bodyPr/>
+          <a:lstStyle/>
+          <a:p>
+            <a:endParaRPr lang="fr-FR" dirty="0"/>
+          </a:p>
+        </p:txBody>
+      </p:sp>
+      <p:pic>
+        <p:nvPicPr>
+          <p:cNvPr id="5" name="Image 4" descr="Une image contenant texte&#10;&#10;Description générée automatiquement">
+            <a:extLst>
+              <a:ext uri="{FF2B5EF4-FFF2-40B4-BE49-F238E27FC236}">
+                <a16:creationId xmlns:a16="http://schemas.microsoft.com/office/drawing/2014/main" id="{66D2630B-81F4-A4EB-21BA-8B90CF30BD92}"/>
+              </a:ext>
+            </a:extLst>
+          </p:cNvPr>
+          <p:cNvPicPr>
+            <a:picLocks noChangeAspect="1"/>
+          </p:cNvPicPr>
+          <p:nvPr/>
+        </p:nvPicPr>
+        <p:blipFill>
+          <a:blip r:embed="rId2">
+            <a:extLst>
+              <a:ext uri="{28A0092B-C50C-407E-A947-70E740481C1C}">
+                <a14:useLocalDpi xmlns:a14="http://schemas.microsoft.com/office/drawing/2010/main" val="0"/>
+              </a:ext>
+            </a:extLst>
+          </a:blip>
+          <a:stretch>
+            <a:fillRect/>
+          </a:stretch>
+        </p:blipFill>
+        <p:spPr>
+          <a:xfrm>
+            <a:off x="202922" y="5934456"/>
+            <a:ext cx="1825291" cy="749808"/>
+          </a:xfrm>
+          <a:prstGeom prst="rect">
+            <a:avLst/>
+          </a:prstGeom>
+        </p:spPr>
+      </p:pic>
+    </p:spTree>
+    <p:extLst>
+      <p:ext uri="{BB962C8B-B14F-4D97-AF65-F5344CB8AC3E}">
+        <p14:creationId xmlns:p14="http://schemas.microsoft.com/office/powerpoint/2010/main" val="412816654"/>
+      </p:ext>
+    </p:extLst>
+  </p:cSld>
+  <p:clrMapOvr>
+    <a:masterClrMapping/>
+  </p:clrMapOvr>
+</p:sld>
+</file>
+
+<file path=ppt/slides/slide5.xml><?xml version="1.0" encoding="utf-8"?>
+<p:sld xmlns:a="http://schemas.openxmlformats.org/drawingml/2006/main" xmlns:r="http://schemas.openxmlformats.org/officeDocument/2006/relationships" xmlns:p="http://schemas.openxmlformats.org/presentationml/2006/main">
+  <p:cSld>
+    <p:spTree>
+      <p:nvGrpSpPr>
+        <p:cNvPr id="1" name=""/>
+        <p:cNvGrpSpPr/>
+        <p:nvPr/>
+      </p:nvGrpSpPr>
+      <p:grpSpPr>
+        <a:xfrm>
+          <a:off x="0" y="0"/>
+          <a:ext cx="0" cy="0"/>
+          <a:chOff x="0" y="0"/>
+          <a:chExt cx="0" cy="0"/>
+        </a:xfrm>
+      </p:grpSpPr>
+      <p:sp>
+        <p:nvSpPr>
+          <p:cNvPr id="2" name="Titre 1">
+            <a:extLst>
+              <a:ext uri="{FF2B5EF4-FFF2-40B4-BE49-F238E27FC236}">
+                <a16:creationId xmlns:a16="http://schemas.microsoft.com/office/drawing/2014/main" id="{90162AE8-C1B0-5C56-8313-DEE494F38273}"/>
+              </a:ext>
+            </a:extLst>
+          </p:cNvPr>
+          <p:cNvSpPr>
+            <a:spLocks noGrp="1"/>
+          </p:cNvSpPr>
+          <p:nvPr>
+            <p:ph type="title"/>
+          </p:nvPr>
+        </p:nvSpPr>
+        <p:spPr/>
+        <p:txBody>
+          <a:bodyPr/>
+          <a:lstStyle/>
+          <a:p>
+            <a:r>
+              <a:rPr lang="fr-FR" dirty="0"/>
+              <a:t>Listes, vecteurs… c’est pareil, non ?</a:t>
+            </a:r>
+          </a:p>
+        </p:txBody>
+      </p:sp>
+      <p:sp>
+        <p:nvSpPr>
+          <p:cNvPr id="3" name="Espace réservé du contenu 2">
+            <a:extLst>
+              <a:ext uri="{FF2B5EF4-FFF2-40B4-BE49-F238E27FC236}">
+                <a16:creationId xmlns:a16="http://schemas.microsoft.com/office/drawing/2014/main" id="{E0BBB9DE-019C-C741-F224-494739D4B752}"/>
+              </a:ext>
+            </a:extLst>
+          </p:cNvPr>
+          <p:cNvSpPr>
+            <a:spLocks noGrp="1"/>
+          </p:cNvSpPr>
+          <p:nvPr>
+            <p:ph sz="half" idx="1"/>
+          </p:nvPr>
+        </p:nvSpPr>
+        <p:spPr/>
+        <p:txBody>
+          <a:bodyPr/>
+          <a:lstStyle/>
+          <a:p>
+            <a:r>
+              <a:rPr lang="fr-FR" dirty="0"/>
+              <a:t>TO DO</a:t>
+            </a:r>
+          </a:p>
+        </p:txBody>
+      </p:sp>
+      <p:sp>
+        <p:nvSpPr>
+          <p:cNvPr id="4" name="Espace réservé du contenu 3">
+            <a:extLst>
+              <a:ext uri="{FF2B5EF4-FFF2-40B4-BE49-F238E27FC236}">
+                <a16:creationId xmlns:a16="http://schemas.microsoft.com/office/drawing/2014/main" id="{933F96BD-2653-AD25-8139-9FF3B2C19755}"/>
+              </a:ext>
+            </a:extLst>
+          </p:cNvPr>
+          <p:cNvSpPr>
+            <a:spLocks noGrp="1"/>
+          </p:cNvSpPr>
+          <p:nvPr>
+            <p:ph sz="half" idx="2"/>
+          </p:nvPr>
+        </p:nvSpPr>
+        <p:spPr/>
+        <p:txBody>
+          <a:bodyPr/>
+          <a:lstStyle/>
+          <a:p>
+            <a:endParaRPr lang="fr-FR" dirty="0"/>
+          </a:p>
+        </p:txBody>
+      </p:sp>
+      <p:pic>
+        <p:nvPicPr>
+          <p:cNvPr id="5" name="Image 4" descr="Une image contenant texte&#10;&#10;Description générée automatiquement">
+            <a:extLst>
+              <a:ext uri="{FF2B5EF4-FFF2-40B4-BE49-F238E27FC236}">
+                <a16:creationId xmlns:a16="http://schemas.microsoft.com/office/drawing/2014/main" id="{66D2630B-81F4-A4EB-21BA-8B90CF30BD92}"/>
+              </a:ext>
+            </a:extLst>
+          </p:cNvPr>
+          <p:cNvPicPr>
+            <a:picLocks noChangeAspect="1"/>
+          </p:cNvPicPr>
+          <p:nvPr/>
+        </p:nvPicPr>
+        <p:blipFill>
+          <a:blip r:embed="rId2">
+            <a:extLst>
+              <a:ext uri="{28A0092B-C50C-407E-A947-70E740481C1C}">
+                <a14:useLocalDpi xmlns:a14="http://schemas.microsoft.com/office/drawing/2010/main" val="0"/>
+              </a:ext>
+            </a:extLst>
+          </a:blip>
+          <a:stretch>
+            <a:fillRect/>
+          </a:stretch>
+        </p:blipFill>
+        <p:spPr>
+          <a:xfrm>
+            <a:off x="202922" y="5934456"/>
+            <a:ext cx="1825291" cy="749808"/>
+          </a:xfrm>
+          <a:prstGeom prst="rect">
+            <a:avLst/>
+          </a:prstGeom>
+        </p:spPr>
+      </p:pic>
     </p:spTree>
     <p:extLst>
       <p:ext uri="{BB962C8B-B14F-4D97-AF65-F5344CB8AC3E}">
         <p14:creationId xmlns:p14="http://schemas.microsoft.com/office/powerpoint/2010/main" val="2798061923"/>
+      </p:ext>
+    </p:extLst>
+  </p:cSld>
+  <p:clrMapOvr>
+    <a:masterClrMapping/>
+  </p:clrMapOvr>
+</p:sld>
+</file>
+
+<file path=ppt/slides/slide6.xml><?xml version="1.0" encoding="utf-8"?>
+<p:sld xmlns:a="http://schemas.openxmlformats.org/drawingml/2006/main" xmlns:r="http://schemas.openxmlformats.org/officeDocument/2006/relationships" xmlns:p="http://schemas.openxmlformats.org/presentationml/2006/main">
+  <p:cSld>
+    <p:spTree>
+      <p:nvGrpSpPr>
+        <p:cNvPr id="1" name=""/>
+        <p:cNvGrpSpPr/>
+        <p:nvPr/>
+      </p:nvGrpSpPr>
+      <p:grpSpPr>
+        <a:xfrm>
+          <a:off x="0" y="0"/>
+          <a:ext cx="0" cy="0"/>
+          <a:chOff x="0" y="0"/>
+          <a:chExt cx="0" cy="0"/>
+        </a:xfrm>
+      </p:grpSpPr>
+      <p:sp>
+        <p:nvSpPr>
+          <p:cNvPr id="2" name="Titre 1">
+            <a:extLst>
+              <a:ext uri="{FF2B5EF4-FFF2-40B4-BE49-F238E27FC236}">
+                <a16:creationId xmlns:a16="http://schemas.microsoft.com/office/drawing/2014/main" id="{90162AE8-C1B0-5C56-8313-DEE494F38273}"/>
+              </a:ext>
+            </a:extLst>
+          </p:cNvPr>
+          <p:cNvSpPr>
+            <a:spLocks noGrp="1"/>
+          </p:cNvSpPr>
+          <p:nvPr>
+            <p:ph type="title"/>
+          </p:nvPr>
+        </p:nvSpPr>
+        <p:spPr/>
+        <p:txBody>
+          <a:bodyPr/>
+          <a:lstStyle/>
+          <a:p>
+            <a:r>
+              <a:rPr lang="fr-FR" dirty="0"/>
+              <a:t>Travailler avec des vecteurs</a:t>
+            </a:r>
+          </a:p>
+        </p:txBody>
+      </p:sp>
+      <p:sp>
+        <p:nvSpPr>
+          <p:cNvPr id="3" name="Espace réservé du contenu 2">
+            <a:extLst>
+              <a:ext uri="{FF2B5EF4-FFF2-40B4-BE49-F238E27FC236}">
+                <a16:creationId xmlns:a16="http://schemas.microsoft.com/office/drawing/2014/main" id="{E0BBB9DE-019C-C741-F224-494739D4B752}"/>
+              </a:ext>
+            </a:extLst>
+          </p:cNvPr>
+          <p:cNvSpPr>
+            <a:spLocks noGrp="1"/>
+          </p:cNvSpPr>
+          <p:nvPr>
+            <p:ph sz="half" idx="1"/>
+          </p:nvPr>
+        </p:nvSpPr>
+        <p:spPr/>
+        <p:txBody>
+          <a:bodyPr/>
+          <a:lstStyle/>
+          <a:p>
+            <a:r>
+              <a:rPr lang="fr-FR" dirty="0" err="1"/>
+              <a:t>Sum</a:t>
+            </a:r>
+            <a:r>
+              <a:rPr lang="fr-FR" dirty="0"/>
+              <a:t>/</a:t>
+            </a:r>
+            <a:r>
+              <a:rPr lang="fr-FR" dirty="0" err="1"/>
+              <a:t>Mean</a:t>
+            </a:r>
+            <a:r>
+              <a:rPr lang="fr-FR" dirty="0"/>
+              <a:t> on axis=0 or 1</a:t>
+            </a:r>
+          </a:p>
+        </p:txBody>
+      </p:sp>
+      <p:sp>
+        <p:nvSpPr>
+          <p:cNvPr id="4" name="Espace réservé du contenu 3">
+            <a:extLst>
+              <a:ext uri="{FF2B5EF4-FFF2-40B4-BE49-F238E27FC236}">
+                <a16:creationId xmlns:a16="http://schemas.microsoft.com/office/drawing/2014/main" id="{933F96BD-2653-AD25-8139-9FF3B2C19755}"/>
+              </a:ext>
+            </a:extLst>
+          </p:cNvPr>
+          <p:cNvSpPr>
+            <a:spLocks noGrp="1"/>
+          </p:cNvSpPr>
+          <p:nvPr>
+            <p:ph sz="half" idx="2"/>
+          </p:nvPr>
+        </p:nvSpPr>
+        <p:spPr/>
+        <p:txBody>
+          <a:bodyPr/>
+          <a:lstStyle/>
+          <a:p>
+            <a:endParaRPr lang="fr-FR" dirty="0"/>
+          </a:p>
+        </p:txBody>
+      </p:sp>
+      <p:pic>
+        <p:nvPicPr>
+          <p:cNvPr id="5" name="Image 4" descr="Une image contenant texte&#10;&#10;Description générée automatiquement">
+            <a:extLst>
+              <a:ext uri="{FF2B5EF4-FFF2-40B4-BE49-F238E27FC236}">
+                <a16:creationId xmlns:a16="http://schemas.microsoft.com/office/drawing/2014/main" id="{66D2630B-81F4-A4EB-21BA-8B90CF30BD92}"/>
+              </a:ext>
+            </a:extLst>
+          </p:cNvPr>
+          <p:cNvPicPr>
+            <a:picLocks noChangeAspect="1"/>
+          </p:cNvPicPr>
+          <p:nvPr/>
+        </p:nvPicPr>
+        <p:blipFill>
+          <a:blip r:embed="rId2">
+            <a:extLst>
+              <a:ext uri="{28A0092B-C50C-407E-A947-70E740481C1C}">
+                <a14:useLocalDpi xmlns:a14="http://schemas.microsoft.com/office/drawing/2010/main" val="0"/>
+              </a:ext>
+            </a:extLst>
+          </a:blip>
+          <a:stretch>
+            <a:fillRect/>
+          </a:stretch>
+        </p:blipFill>
+        <p:spPr>
+          <a:xfrm>
+            <a:off x="202922" y="5934456"/>
+            <a:ext cx="1825291" cy="749808"/>
+          </a:xfrm>
+          <a:prstGeom prst="rect">
+            <a:avLst/>
+          </a:prstGeom>
+        </p:spPr>
+      </p:pic>
+    </p:spTree>
+    <p:extLst>
+      <p:ext uri="{BB962C8B-B14F-4D97-AF65-F5344CB8AC3E}">
+        <p14:creationId xmlns:p14="http://schemas.microsoft.com/office/powerpoint/2010/main" val="940861123"/>
+      </p:ext>
+    </p:extLst>
+  </p:cSld>
+  <p:clrMapOvr>
+    <a:masterClrMapping/>
+  </p:clrMapOvr>
+</p:sld>
+</file>
+
+<file path=ppt/slides/slide7.xml><?xml version="1.0" encoding="utf-8"?>
+<p:sld xmlns:a="http://schemas.openxmlformats.org/drawingml/2006/main" xmlns:r="http://schemas.openxmlformats.org/officeDocument/2006/relationships" xmlns:p="http://schemas.openxmlformats.org/presentationml/2006/main">
+  <p:cSld>
+    <p:spTree>
+      <p:nvGrpSpPr>
+        <p:cNvPr id="1" name=""/>
+        <p:cNvGrpSpPr/>
+        <p:nvPr/>
+      </p:nvGrpSpPr>
+      <p:grpSpPr>
+        <a:xfrm>
+          <a:off x="0" y="0"/>
+          <a:ext cx="0" cy="0"/>
+          <a:chOff x="0" y="0"/>
+          <a:chExt cx="0" cy="0"/>
+        </a:xfrm>
+      </p:grpSpPr>
+      <p:sp>
+        <p:nvSpPr>
+          <p:cNvPr id="2" name="Titre 1">
+            <a:extLst>
+              <a:ext uri="{FF2B5EF4-FFF2-40B4-BE49-F238E27FC236}">
+                <a16:creationId xmlns:a16="http://schemas.microsoft.com/office/drawing/2014/main" id="{90162AE8-C1B0-5C56-8313-DEE494F38273}"/>
+              </a:ext>
+            </a:extLst>
+          </p:cNvPr>
+          <p:cNvSpPr>
+            <a:spLocks noGrp="1"/>
+          </p:cNvSpPr>
+          <p:nvPr>
+            <p:ph type="title"/>
+          </p:nvPr>
+        </p:nvSpPr>
+        <p:spPr/>
+        <p:txBody>
+          <a:bodyPr/>
+          <a:lstStyle/>
+          <a:p>
+            <a:r>
+              <a:rPr lang="fr-FR" dirty="0"/>
+              <a:t>Résoudre des problèmes linéaires</a:t>
+            </a:r>
+          </a:p>
+        </p:txBody>
+      </p:sp>
+      <p:sp>
+        <p:nvSpPr>
+          <p:cNvPr id="3" name="Espace réservé du contenu 2">
+            <a:extLst>
+              <a:ext uri="{FF2B5EF4-FFF2-40B4-BE49-F238E27FC236}">
+                <a16:creationId xmlns:a16="http://schemas.microsoft.com/office/drawing/2014/main" id="{E0BBB9DE-019C-C741-F224-494739D4B752}"/>
+              </a:ext>
+            </a:extLst>
+          </p:cNvPr>
+          <p:cNvSpPr>
+            <a:spLocks noGrp="1"/>
+          </p:cNvSpPr>
+          <p:nvPr>
+            <p:ph sz="half" idx="1"/>
+          </p:nvPr>
+        </p:nvSpPr>
+        <p:spPr/>
+        <p:txBody>
+          <a:bodyPr/>
+          <a:lstStyle/>
+          <a:p>
+            <a:r>
+              <a:rPr lang="fr-FR" dirty="0" err="1"/>
+              <a:t>Linalg</a:t>
+            </a:r>
+            <a:r>
+              <a:rPr lang="fr-FR" dirty="0"/>
+              <a:t> </a:t>
+            </a:r>
+            <a:r>
+              <a:rPr lang="fr-FR" dirty="0" err="1"/>
+              <a:t>from</a:t>
+            </a:r>
+            <a:r>
+              <a:rPr lang="fr-FR" dirty="0"/>
+              <a:t> </a:t>
+            </a:r>
+            <a:r>
+              <a:rPr lang="fr-FR" dirty="0" err="1"/>
+              <a:t>numpy</a:t>
+            </a:r>
+            <a:endParaRPr lang="fr-FR" dirty="0"/>
+          </a:p>
+        </p:txBody>
+      </p:sp>
+      <p:sp>
+        <p:nvSpPr>
+          <p:cNvPr id="4" name="Espace réservé du contenu 3">
+            <a:extLst>
+              <a:ext uri="{FF2B5EF4-FFF2-40B4-BE49-F238E27FC236}">
+                <a16:creationId xmlns:a16="http://schemas.microsoft.com/office/drawing/2014/main" id="{933F96BD-2653-AD25-8139-9FF3B2C19755}"/>
+              </a:ext>
+            </a:extLst>
+          </p:cNvPr>
+          <p:cNvSpPr>
+            <a:spLocks noGrp="1"/>
+          </p:cNvSpPr>
+          <p:nvPr>
+            <p:ph sz="half" idx="2"/>
+          </p:nvPr>
+        </p:nvSpPr>
+        <p:spPr/>
+        <p:txBody>
+          <a:bodyPr/>
+          <a:lstStyle/>
+          <a:p>
+            <a:endParaRPr lang="fr-FR" dirty="0"/>
+          </a:p>
+        </p:txBody>
+      </p:sp>
+      <p:pic>
+        <p:nvPicPr>
+          <p:cNvPr id="5" name="Image 4" descr="Une image contenant texte&#10;&#10;Description générée automatiquement">
+            <a:extLst>
+              <a:ext uri="{FF2B5EF4-FFF2-40B4-BE49-F238E27FC236}">
+                <a16:creationId xmlns:a16="http://schemas.microsoft.com/office/drawing/2014/main" id="{66D2630B-81F4-A4EB-21BA-8B90CF30BD92}"/>
+              </a:ext>
+            </a:extLst>
+          </p:cNvPr>
+          <p:cNvPicPr>
+            <a:picLocks noChangeAspect="1"/>
+          </p:cNvPicPr>
+          <p:nvPr/>
+        </p:nvPicPr>
+        <p:blipFill>
+          <a:blip r:embed="rId2">
+            <a:extLst>
+              <a:ext uri="{28A0092B-C50C-407E-A947-70E740481C1C}">
+                <a14:useLocalDpi xmlns:a14="http://schemas.microsoft.com/office/drawing/2010/main" val="0"/>
+              </a:ext>
+            </a:extLst>
+          </a:blip>
+          <a:stretch>
+            <a:fillRect/>
+          </a:stretch>
+        </p:blipFill>
+        <p:spPr>
+          <a:xfrm>
+            <a:off x="202922" y="5934456"/>
+            <a:ext cx="1825291" cy="749808"/>
+          </a:xfrm>
+          <a:prstGeom prst="rect">
+            <a:avLst/>
+          </a:prstGeom>
+        </p:spPr>
+      </p:pic>
+    </p:spTree>
+    <p:extLst>
+      <p:ext uri="{BB962C8B-B14F-4D97-AF65-F5344CB8AC3E}">
+        <p14:creationId xmlns:p14="http://schemas.microsoft.com/office/powerpoint/2010/main" val="3320162350"/>
       </p:ext>
     </p:extLst>
   </p:cSld>

--- a/engineer_courses/s5_outils_numeriques/b0_demistifier_python/B0_1_Demystifier_Python.pptx
+++ b/engineer_courses/s5_outils_numeriques/b0_demistifier_python/B0_1_Demystifier_Python.pptx
@@ -8,10 +8,11 @@
     <p:sldId id="256" r:id="rId2"/>
     <p:sldId id="257" r:id="rId3"/>
     <p:sldId id="260" r:id="rId4"/>
-    <p:sldId id="259" r:id="rId5"/>
-    <p:sldId id="258" r:id="rId6"/>
-    <p:sldId id="261" r:id="rId7"/>
-    <p:sldId id="262" r:id="rId8"/>
+    <p:sldId id="263" r:id="rId5"/>
+    <p:sldId id="259" r:id="rId6"/>
+    <p:sldId id="258" r:id="rId7"/>
+    <p:sldId id="261" r:id="rId8"/>
+    <p:sldId id="262" r:id="rId9"/>
   </p:sldIdLst>
   <p:sldSz cx="12192000" cy="6858000"/>
   <p:notesSz cx="6858000" cy="9144000"/>
@@ -274,7 +275,7 @@
           <a:p>
             <a:fld id="{02AC24A9-CCB6-4F8D-B8DB-C2F3692CFA5A}" type="datetimeFigureOut">
               <a:rPr lang="en-US" smtClean="0"/>
-              <a:t>4/9/2023</a:t>
+              <a:t>4/10/2023</a:t>
             </a:fld>
             <a:endParaRPr lang="en-US" dirty="0"/>
           </a:p>
@@ -644,7 +645,7 @@
           <a:p>
             <a:fld id="{02AC24A9-CCB6-4F8D-B8DB-C2F3692CFA5A}" type="datetimeFigureOut">
               <a:rPr lang="en-US" smtClean="0"/>
-              <a:t>4/9/2023</a:t>
+              <a:t>4/10/2023</a:t>
             </a:fld>
             <a:endParaRPr lang="en-US"/>
           </a:p>
@@ -853,7 +854,7 @@
           <a:p>
             <a:fld id="{02AC24A9-CCB6-4F8D-B8DB-C2F3692CFA5A}" type="datetimeFigureOut">
               <a:rPr lang="en-US" smtClean="0"/>
-              <a:t>4/9/2023</a:t>
+              <a:t>4/10/2023</a:t>
             </a:fld>
             <a:endParaRPr lang="en-US"/>
           </a:p>
@@ -1323,7 +1324,7 @@
           <a:p>
             <a:fld id="{02AC24A9-CCB6-4F8D-B8DB-C2F3692CFA5A}" type="datetimeFigureOut">
               <a:rPr lang="en-US" smtClean="0"/>
-              <a:t>4/9/2023</a:t>
+              <a:t>4/10/2023</a:t>
             </a:fld>
             <a:endParaRPr lang="en-US"/>
           </a:p>
@@ -1777,7 +1778,7 @@
           <a:p>
             <a:fld id="{02AC24A9-CCB6-4F8D-B8DB-C2F3692CFA5A}" type="datetimeFigureOut">
               <a:rPr lang="en-US" smtClean="0"/>
-              <a:t>4/9/2023</a:t>
+              <a:t>4/10/2023</a:t>
             </a:fld>
             <a:endParaRPr lang="en-US"/>
           </a:p>
@@ -2309,7 +2310,7 @@
           <a:p>
             <a:fld id="{02AC24A9-CCB6-4F8D-B8DB-C2F3692CFA5A}" type="datetimeFigureOut">
               <a:rPr lang="en-US" smtClean="0"/>
-              <a:t>4/9/2023</a:t>
+              <a:t>4/10/2023</a:t>
             </a:fld>
             <a:endParaRPr lang="en-US"/>
           </a:p>
@@ -3008,7 +3009,7 @@
           <a:p>
             <a:fld id="{02AC24A9-CCB6-4F8D-B8DB-C2F3692CFA5A}" type="datetimeFigureOut">
               <a:rPr lang="en-US" smtClean="0"/>
-              <a:t>4/9/2023</a:t>
+              <a:t>4/10/2023</a:t>
             </a:fld>
             <a:endParaRPr lang="en-US"/>
           </a:p>
@@ -3337,7 +3338,7 @@
           <a:p>
             <a:fld id="{02AC24A9-CCB6-4F8D-B8DB-C2F3692CFA5A}" type="datetimeFigureOut">
               <a:rPr lang="en-US" smtClean="0"/>
-              <a:t>4/9/2023</a:t>
+              <a:t>4/10/2023</a:t>
             </a:fld>
             <a:endParaRPr lang="en-US"/>
           </a:p>
@@ -3450,7 +3451,7 @@
           <a:p>
             <a:fld id="{02AC24A9-CCB6-4F8D-B8DB-C2F3692CFA5A}" type="datetimeFigureOut">
               <a:rPr lang="en-US" smtClean="0"/>
-              <a:t>4/9/2023</a:t>
+              <a:t>4/10/2023</a:t>
             </a:fld>
             <a:endParaRPr lang="en-US"/>
           </a:p>
@@ -3945,7 +3946,7 @@
           <a:p>
             <a:fld id="{02AC24A9-CCB6-4F8D-B8DB-C2F3692CFA5A}" type="datetimeFigureOut">
               <a:rPr lang="en-US" smtClean="0"/>
-              <a:t>4/9/2023</a:t>
+              <a:t>4/10/2023</a:t>
             </a:fld>
             <a:endParaRPr lang="en-US" dirty="0"/>
           </a:p>
@@ -4422,7 +4423,7 @@
           <a:p>
             <a:fld id="{02AC24A9-CCB6-4F8D-B8DB-C2F3692CFA5A}" type="datetimeFigureOut">
               <a:rPr lang="en-US" smtClean="0"/>
-              <a:t>4/9/2023</a:t>
+              <a:t>4/10/2023</a:t>
             </a:fld>
             <a:endParaRPr lang="en-US"/>
           </a:p>
@@ -4665,7 +4666,7 @@
           <a:p>
             <a:fld id="{02AC24A9-CCB6-4F8D-B8DB-C2F3692CFA5A}" type="datetimeFigureOut">
               <a:rPr lang="en-US" smtClean="0"/>
-              <a:t>4/9/2023</a:t>
+              <a:t>4/10/2023</a:t>
             </a:fld>
             <a:endParaRPr lang="en-US"/>
           </a:p>
@@ -6944,7 +6945,7 @@
           <a:p>
             <a:r>
               <a:rPr lang="fr-FR" dirty="0"/>
-              <a:t>Doit-on faire confiance aux ordinateurs ?</a:t>
+              <a:t>Quelques rappels sous Python</a:t>
             </a:r>
           </a:p>
         </p:txBody>
@@ -6972,58 +6973,24 @@
           <a:p>
             <a:r>
               <a:rPr lang="fr-FR" dirty="0"/>
-              <a:t>Testez les deux calculs suivants sous Python</a:t>
-            </a:r>
-          </a:p>
-          <a:p>
-            <a:endParaRPr lang="fr-FR" dirty="0"/>
-          </a:p>
-          <a:p>
-            <a:pPr marL="0" indent="0">
-              <a:buNone/>
-            </a:pPr>
-            <a:r>
-              <a:rPr lang="fr-FR"/>
-              <a:t>&gt; 3 </a:t>
+              <a:t>Try / </a:t>
+            </a:r>
+            <a:r>
+              <a:rPr lang="fr-FR" dirty="0" err="1"/>
+              <a:t>Except</a:t>
             </a:r>
             <a:r>
               <a:rPr lang="fr-FR" dirty="0"/>
-              <a:t>– 2 – 1</a:t>
-            </a:r>
-          </a:p>
-          <a:p>
-            <a:pPr marL="0" indent="0">
-              <a:buNone/>
-            </a:pPr>
+              <a:t> (</a:t>
+            </a:r>
+            <a:r>
+              <a:rPr lang="fr-FR" dirty="0" err="1"/>
+              <a:t>ValueError</a:t>
+            </a:r>
             <a:r>
               <a:rPr lang="fr-FR" dirty="0"/>
-              <a:t>&gt; 0.3 – 0.2 – 0.1</a:t>
-            </a:r>
-          </a:p>
-        </p:txBody>
-      </p:sp>
-      <p:sp>
-        <p:nvSpPr>
-          <p:cNvPr id="4" name="Espace réservé du contenu 3">
-            <a:extLst>
-              <a:ext uri="{FF2B5EF4-FFF2-40B4-BE49-F238E27FC236}">
-                <a16:creationId xmlns:a16="http://schemas.microsoft.com/office/drawing/2014/main" id="{933F96BD-2653-AD25-8139-9FF3B2C19755}"/>
-              </a:ext>
-            </a:extLst>
-          </p:cNvPr>
-          <p:cNvSpPr>
-            <a:spLocks noGrp="1"/>
-          </p:cNvSpPr>
-          <p:nvPr>
-            <p:ph sz="half" idx="2"/>
-          </p:nvPr>
-        </p:nvSpPr>
-        <p:spPr/>
-        <p:txBody>
-          <a:bodyPr/>
-          <a:lstStyle/>
-          <a:p>
-            <a:endParaRPr lang="fr-FR" dirty="0"/>
+              <a:t>…)</a:t>
+            </a:r>
           </a:p>
         </p:txBody>
       </p:sp>
@@ -7063,10 +7030,95 @@
           </a:prstGeom>
         </p:spPr>
       </p:pic>
+      <p:pic>
+        <p:nvPicPr>
+          <p:cNvPr id="7" name="Image 6">
+            <a:extLst>
+              <a:ext uri="{FF2B5EF4-FFF2-40B4-BE49-F238E27FC236}">
+                <a16:creationId xmlns:a16="http://schemas.microsoft.com/office/drawing/2014/main" id="{5BB01D49-602A-9314-FD1F-4EC628128217}"/>
+              </a:ext>
+            </a:extLst>
+          </p:cNvPr>
+          <p:cNvPicPr>
+            <a:picLocks noChangeAspect="1"/>
+          </p:cNvPicPr>
+          <p:nvPr/>
+        </p:nvPicPr>
+        <p:blipFill>
+          <a:blip r:embed="rId3"/>
+          <a:stretch>
+            <a:fillRect/>
+          </a:stretch>
+        </p:blipFill>
+        <p:spPr>
+          <a:xfrm>
+            <a:off x="10077926" y="593679"/>
+            <a:ext cx="1081825" cy="1089498"/>
+          </a:xfrm>
+          <a:prstGeom prst="rect">
+            <a:avLst/>
+          </a:prstGeom>
+        </p:spPr>
+      </p:pic>
+      <p:sp>
+        <p:nvSpPr>
+          <p:cNvPr id="14" name="Espace réservé du contenu 13">
+            <a:extLst>
+              <a:ext uri="{FF2B5EF4-FFF2-40B4-BE49-F238E27FC236}">
+                <a16:creationId xmlns:a16="http://schemas.microsoft.com/office/drawing/2014/main" id="{CA123098-7DF5-3C3F-1F6B-F3FE7B39E1E2}"/>
+              </a:ext>
+            </a:extLst>
+          </p:cNvPr>
+          <p:cNvSpPr>
+            <a:spLocks noGrp="1"/>
+          </p:cNvSpPr>
+          <p:nvPr>
+            <p:ph sz="half" idx="2"/>
+          </p:nvPr>
+        </p:nvSpPr>
+        <p:spPr/>
+        <p:txBody>
+          <a:bodyPr/>
+          <a:lstStyle/>
+          <a:p>
+            <a:endParaRPr lang="fr-FR" dirty="0"/>
+          </a:p>
+        </p:txBody>
+      </p:sp>
+      <p:pic>
+        <p:nvPicPr>
+          <p:cNvPr id="16" name="Image 15">
+            <a:extLst>
+              <a:ext uri="{FF2B5EF4-FFF2-40B4-BE49-F238E27FC236}">
+                <a16:creationId xmlns:a16="http://schemas.microsoft.com/office/drawing/2014/main" id="{40681AA8-5305-6308-CECD-FD4BEB3BB437}"/>
+              </a:ext>
+            </a:extLst>
+          </p:cNvPr>
+          <p:cNvPicPr>
+            <a:picLocks noChangeAspect="1"/>
+          </p:cNvPicPr>
+          <p:nvPr/>
+        </p:nvPicPr>
+        <p:blipFill>
+          <a:blip r:embed="rId4"/>
+          <a:stretch>
+            <a:fillRect/>
+          </a:stretch>
+        </p:blipFill>
+        <p:spPr>
+          <a:xfrm>
+            <a:off x="2320821" y="3333136"/>
+            <a:ext cx="4513912" cy="3351128"/>
+          </a:xfrm>
+          <a:prstGeom prst="rect">
+            <a:avLst/>
+          </a:prstGeom>
+        </p:spPr>
+      </p:pic>
     </p:spTree>
     <p:extLst>
       <p:ext uri="{BB962C8B-B14F-4D97-AF65-F5344CB8AC3E}">
-        <p14:creationId xmlns:p14="http://schemas.microsoft.com/office/powerpoint/2010/main" val="412816654"/>
+        <p14:creationId xmlns:p14="http://schemas.microsoft.com/office/powerpoint/2010/main" val="1467992273"/>
       </p:ext>
     </p:extLst>
   </p:cSld>
@@ -7116,7 +7168,7 @@
           <a:p>
             <a:r>
               <a:rPr lang="fr-FR" dirty="0"/>
-              <a:t>Listes, vecteurs… c’est pareil, non ?</a:t>
+              <a:t>Doit-on faire confiance aux ordinateurs ?</a:t>
             </a:r>
           </a:p>
         </p:txBody>
@@ -7144,33 +7196,29 @@
           <a:p>
             <a:r>
               <a:rPr lang="fr-FR" dirty="0"/>
-              <a:t>TO DO</a:t>
-            </a:r>
-          </a:p>
-        </p:txBody>
-      </p:sp>
-      <p:sp>
-        <p:nvSpPr>
-          <p:cNvPr id="4" name="Espace réservé du contenu 3">
-            <a:extLst>
-              <a:ext uri="{FF2B5EF4-FFF2-40B4-BE49-F238E27FC236}">
-                <a16:creationId xmlns:a16="http://schemas.microsoft.com/office/drawing/2014/main" id="{933F96BD-2653-AD25-8139-9FF3B2C19755}"/>
-              </a:ext>
-            </a:extLst>
-          </p:cNvPr>
-          <p:cNvSpPr>
-            <a:spLocks noGrp="1"/>
-          </p:cNvSpPr>
-          <p:nvPr>
-            <p:ph sz="half" idx="2"/>
-          </p:nvPr>
-        </p:nvSpPr>
-        <p:spPr/>
-        <p:txBody>
-          <a:bodyPr/>
-          <a:lstStyle/>
+              <a:t>Testez les deux calculs suivants sous Python</a:t>
+            </a:r>
+          </a:p>
           <a:p>
             <a:endParaRPr lang="fr-FR" dirty="0"/>
+          </a:p>
+          <a:p>
+            <a:pPr marL="0" indent="0">
+              <a:buNone/>
+            </a:pPr>
+            <a:r>
+              <a:rPr lang="fr-FR" dirty="0"/>
+              <a:t>&gt; 3 – 2 – 1</a:t>
+            </a:r>
+          </a:p>
+          <a:p>
+            <a:pPr marL="0" indent="0">
+              <a:buNone/>
+            </a:pPr>
+            <a:r>
+              <a:rPr lang="fr-FR" dirty="0"/>
+              <a:t>&gt; 0.3 – 0.2 – 0.1</a:t>
+            </a:r>
           </a:p>
         </p:txBody>
       </p:sp>
@@ -7210,10 +7258,35 @@
           </a:prstGeom>
         </p:spPr>
       </p:pic>
+      <p:sp>
+        <p:nvSpPr>
+          <p:cNvPr id="7" name="Espace réservé du contenu 6">
+            <a:extLst>
+              <a:ext uri="{FF2B5EF4-FFF2-40B4-BE49-F238E27FC236}">
+                <a16:creationId xmlns:a16="http://schemas.microsoft.com/office/drawing/2014/main" id="{770B91D8-1E62-33EE-378B-94D62DA43923}"/>
+              </a:ext>
+            </a:extLst>
+          </p:cNvPr>
+          <p:cNvSpPr>
+            <a:spLocks noGrp="1"/>
+          </p:cNvSpPr>
+          <p:nvPr>
+            <p:ph sz="half" idx="2"/>
+          </p:nvPr>
+        </p:nvSpPr>
+        <p:spPr/>
+        <p:txBody>
+          <a:bodyPr/>
+          <a:lstStyle/>
+          <a:p>
+            <a:endParaRPr lang="fr-FR"/>
+          </a:p>
+        </p:txBody>
+      </p:sp>
     </p:spTree>
     <p:extLst>
       <p:ext uri="{BB962C8B-B14F-4D97-AF65-F5344CB8AC3E}">
-        <p14:creationId xmlns:p14="http://schemas.microsoft.com/office/powerpoint/2010/main" val="2798061923"/>
+        <p14:creationId xmlns:p14="http://schemas.microsoft.com/office/powerpoint/2010/main" val="412816654"/>
       </p:ext>
     </p:extLst>
   </p:cSld>
@@ -7263,6 +7336,153 @@
           <a:p>
             <a:r>
               <a:rPr lang="fr-FR" dirty="0"/>
+              <a:t>Listes, vecteurs… c’est pareil, non ?</a:t>
+            </a:r>
+          </a:p>
+        </p:txBody>
+      </p:sp>
+      <p:sp>
+        <p:nvSpPr>
+          <p:cNvPr id="3" name="Espace réservé du contenu 2">
+            <a:extLst>
+              <a:ext uri="{FF2B5EF4-FFF2-40B4-BE49-F238E27FC236}">
+                <a16:creationId xmlns:a16="http://schemas.microsoft.com/office/drawing/2014/main" id="{E0BBB9DE-019C-C741-F224-494739D4B752}"/>
+              </a:ext>
+            </a:extLst>
+          </p:cNvPr>
+          <p:cNvSpPr>
+            <a:spLocks noGrp="1"/>
+          </p:cNvSpPr>
+          <p:nvPr>
+            <p:ph sz="half" idx="1"/>
+          </p:nvPr>
+        </p:nvSpPr>
+        <p:spPr/>
+        <p:txBody>
+          <a:bodyPr/>
+          <a:lstStyle/>
+          <a:p>
+            <a:r>
+              <a:rPr lang="fr-FR" dirty="0"/>
+              <a:t>TO DO</a:t>
+            </a:r>
+          </a:p>
+        </p:txBody>
+      </p:sp>
+      <p:sp>
+        <p:nvSpPr>
+          <p:cNvPr id="4" name="Espace réservé du contenu 3">
+            <a:extLst>
+              <a:ext uri="{FF2B5EF4-FFF2-40B4-BE49-F238E27FC236}">
+                <a16:creationId xmlns:a16="http://schemas.microsoft.com/office/drawing/2014/main" id="{933F96BD-2653-AD25-8139-9FF3B2C19755}"/>
+              </a:ext>
+            </a:extLst>
+          </p:cNvPr>
+          <p:cNvSpPr>
+            <a:spLocks noGrp="1"/>
+          </p:cNvSpPr>
+          <p:nvPr>
+            <p:ph sz="half" idx="2"/>
+          </p:nvPr>
+        </p:nvSpPr>
+        <p:spPr/>
+        <p:txBody>
+          <a:bodyPr/>
+          <a:lstStyle/>
+          <a:p>
+            <a:endParaRPr lang="fr-FR" dirty="0"/>
+          </a:p>
+        </p:txBody>
+      </p:sp>
+      <p:pic>
+        <p:nvPicPr>
+          <p:cNvPr id="5" name="Image 4" descr="Une image contenant texte&#10;&#10;Description générée automatiquement">
+            <a:extLst>
+              <a:ext uri="{FF2B5EF4-FFF2-40B4-BE49-F238E27FC236}">
+                <a16:creationId xmlns:a16="http://schemas.microsoft.com/office/drawing/2014/main" id="{66D2630B-81F4-A4EB-21BA-8B90CF30BD92}"/>
+              </a:ext>
+            </a:extLst>
+          </p:cNvPr>
+          <p:cNvPicPr>
+            <a:picLocks noChangeAspect="1"/>
+          </p:cNvPicPr>
+          <p:nvPr/>
+        </p:nvPicPr>
+        <p:blipFill>
+          <a:blip r:embed="rId2">
+            <a:extLst>
+              <a:ext uri="{28A0092B-C50C-407E-A947-70E740481C1C}">
+                <a14:useLocalDpi xmlns:a14="http://schemas.microsoft.com/office/drawing/2010/main" val="0"/>
+              </a:ext>
+            </a:extLst>
+          </a:blip>
+          <a:stretch>
+            <a:fillRect/>
+          </a:stretch>
+        </p:blipFill>
+        <p:spPr>
+          <a:xfrm>
+            <a:off x="202922" y="5934456"/>
+            <a:ext cx="1825291" cy="749808"/>
+          </a:xfrm>
+          <a:prstGeom prst="rect">
+            <a:avLst/>
+          </a:prstGeom>
+        </p:spPr>
+      </p:pic>
+    </p:spTree>
+    <p:extLst>
+      <p:ext uri="{BB962C8B-B14F-4D97-AF65-F5344CB8AC3E}">
+        <p14:creationId xmlns:p14="http://schemas.microsoft.com/office/powerpoint/2010/main" val="2798061923"/>
+      </p:ext>
+    </p:extLst>
+  </p:cSld>
+  <p:clrMapOvr>
+    <a:masterClrMapping/>
+  </p:clrMapOvr>
+</p:sld>
+</file>
+
+<file path=ppt/slides/slide7.xml><?xml version="1.0" encoding="utf-8"?>
+<p:sld xmlns:a="http://schemas.openxmlformats.org/drawingml/2006/main" xmlns:r="http://schemas.openxmlformats.org/officeDocument/2006/relationships" xmlns:p="http://schemas.openxmlformats.org/presentationml/2006/main">
+  <p:cSld>
+    <p:spTree>
+      <p:nvGrpSpPr>
+        <p:cNvPr id="1" name=""/>
+        <p:cNvGrpSpPr/>
+        <p:nvPr/>
+      </p:nvGrpSpPr>
+      <p:grpSpPr>
+        <a:xfrm>
+          <a:off x="0" y="0"/>
+          <a:ext cx="0" cy="0"/>
+          <a:chOff x="0" y="0"/>
+          <a:chExt cx="0" cy="0"/>
+        </a:xfrm>
+      </p:grpSpPr>
+      <p:sp>
+        <p:nvSpPr>
+          <p:cNvPr id="2" name="Titre 1">
+            <a:extLst>
+              <a:ext uri="{FF2B5EF4-FFF2-40B4-BE49-F238E27FC236}">
+                <a16:creationId xmlns:a16="http://schemas.microsoft.com/office/drawing/2014/main" id="{90162AE8-C1B0-5C56-8313-DEE494F38273}"/>
+              </a:ext>
+            </a:extLst>
+          </p:cNvPr>
+          <p:cNvSpPr>
+            <a:spLocks noGrp="1"/>
+          </p:cNvSpPr>
+          <p:nvPr>
+            <p:ph type="title"/>
+          </p:nvPr>
+        </p:nvSpPr>
+        <p:spPr/>
+        <p:txBody>
+          <a:bodyPr/>
+          <a:lstStyle/>
+          <a:p>
+            <a:r>
+              <a:rPr lang="fr-FR" dirty="0"/>
               <a:t>Travailler avec des vecteurs</a:t>
             </a:r>
           </a:p>
@@ -7382,7 +7602,7 @@
 </p:sld>
 </file>
 
-<file path=ppt/slides/slide7.xml><?xml version="1.0" encoding="utf-8"?>
+<file path=ppt/slides/slide8.xml><?xml version="1.0" encoding="utf-8"?>
 <p:sld xmlns:a="http://schemas.openxmlformats.org/drawingml/2006/main" xmlns:r="http://schemas.openxmlformats.org/officeDocument/2006/relationships" xmlns:p="http://schemas.openxmlformats.org/presentationml/2006/main">
   <p:cSld>
     <p:spTree>
